--- a/document/introduction.pptx
+++ b/document/introduction.pptx
@@ -5,7 +5,7 @@
     <p:sldMasterId id="2147483648" r:id="rId1"/>
   </p:sldMasterIdLst>
   <p:notesMasterIdLst>
-    <p:notesMasterId r:id="rId7"/>
+    <p:notesMasterId r:id="rId23"/>
   </p:notesMasterIdLst>
   <p:sldIdLst>
     <p:sldId id="256" r:id="rId2"/>
@@ -13,6 +13,22 @@
     <p:sldId id="258" r:id="rId4"/>
     <p:sldId id="259" r:id="rId5"/>
     <p:sldId id="260" r:id="rId6"/>
+    <p:sldId id="262" r:id="rId7"/>
+    <p:sldId id="263" r:id="rId8"/>
+    <p:sldId id="265" r:id="rId9"/>
+    <p:sldId id="266" r:id="rId10"/>
+    <p:sldId id="267" r:id="rId11"/>
+    <p:sldId id="268" r:id="rId12"/>
+    <p:sldId id="269" r:id="rId13"/>
+    <p:sldId id="270" r:id="rId14"/>
+    <p:sldId id="271" r:id="rId15"/>
+    <p:sldId id="272" r:id="rId16"/>
+    <p:sldId id="273" r:id="rId17"/>
+    <p:sldId id="274" r:id="rId18"/>
+    <p:sldId id="275" r:id="rId19"/>
+    <p:sldId id="276" r:id="rId20"/>
+    <p:sldId id="277" r:id="rId21"/>
+    <p:sldId id="278" r:id="rId22"/>
   </p:sldIdLst>
   <p:sldSz cx="12192000" cy="6858000"/>
   <p:notesSz cx="6858000" cy="9144000"/>
@@ -201,7 +217,7 @@
           <a:p>
             <a:fld id="{55FA7216-1234-425B-95DF-58B60EEB884C}" type="datetimeFigureOut">
               <a:rPr lang="zh-CN" altLang="en-US" smtClean="0"/>
-              <a:t>2021/5/15</a:t>
+              <a:t>2021/5/27</a:t>
             </a:fld>
             <a:endParaRPr lang="zh-CN" altLang="en-US"/>
           </a:p>
@@ -552,6 +568,846 @@
 </p:notes>
 </file>
 
+<file path=ppt/notesSlides/notesSlide10.xml><?xml version="1.0" encoding="utf-8"?>
+<p:notes xmlns:a="http://schemas.openxmlformats.org/drawingml/2006/main" xmlns:r="http://schemas.openxmlformats.org/officeDocument/2006/relationships" xmlns:p="http://schemas.openxmlformats.org/presentationml/2006/main">
+  <p:cSld>
+    <p:spTree>
+      <p:nvGrpSpPr>
+        <p:cNvPr id="1" name=""/>
+        <p:cNvGrpSpPr/>
+        <p:nvPr/>
+      </p:nvGrpSpPr>
+      <p:grpSpPr>
+        <a:xfrm>
+          <a:off x="0" y="0"/>
+          <a:ext cx="0" cy="0"/>
+          <a:chOff x="0" y="0"/>
+          <a:chExt cx="0" cy="0"/>
+        </a:xfrm>
+      </p:grpSpPr>
+      <p:sp>
+        <p:nvSpPr>
+          <p:cNvPr id="2" name="幻灯片图像占位符 1"/>
+          <p:cNvSpPr>
+            <a:spLocks noGrp="1" noRot="1" noChangeAspect="1"/>
+          </p:cNvSpPr>
+          <p:nvPr>
+            <p:ph type="sldImg"/>
+          </p:nvPr>
+        </p:nvSpPr>
+        <p:spPr/>
+      </p:sp>
+      <p:sp>
+        <p:nvSpPr>
+          <p:cNvPr id="3" name="备注占位符 2"/>
+          <p:cNvSpPr>
+            <a:spLocks noGrp="1"/>
+          </p:cNvSpPr>
+          <p:nvPr>
+            <p:ph type="body" idx="1"/>
+          </p:nvPr>
+        </p:nvSpPr>
+        <p:spPr/>
+        <p:txBody>
+          <a:bodyPr/>
+          <a:lstStyle/>
+          <a:p>
+            <a:endParaRPr lang="zh-CN" altLang="en-US" dirty="0"/>
+          </a:p>
+        </p:txBody>
+      </p:sp>
+      <p:sp>
+        <p:nvSpPr>
+          <p:cNvPr id="4" name="灯片编号占位符 3"/>
+          <p:cNvSpPr>
+            <a:spLocks noGrp="1"/>
+          </p:cNvSpPr>
+          <p:nvPr>
+            <p:ph type="sldNum" sz="quarter" idx="5"/>
+          </p:nvPr>
+        </p:nvSpPr>
+        <p:spPr/>
+        <p:txBody>
+          <a:bodyPr/>
+          <a:lstStyle/>
+          <a:p>
+            <a:fld id="{1D35CB65-B3B6-4BCE-850B-F2A72F5967AA}" type="slidenum">
+              <a:rPr lang="zh-CN" altLang="en-US" smtClean="0"/>
+              <a:t>10</a:t>
+            </a:fld>
+            <a:endParaRPr lang="zh-CN" altLang="en-US"/>
+          </a:p>
+        </p:txBody>
+      </p:sp>
+    </p:spTree>
+    <p:extLst>
+      <p:ext uri="{BB962C8B-B14F-4D97-AF65-F5344CB8AC3E}">
+        <p14:creationId xmlns:p14="http://schemas.microsoft.com/office/powerpoint/2010/main" val="4232200269"/>
+      </p:ext>
+    </p:extLst>
+  </p:cSld>
+  <p:clrMapOvr>
+    <a:masterClrMapping/>
+  </p:clrMapOvr>
+</p:notes>
+</file>
+
+<file path=ppt/notesSlides/notesSlide11.xml><?xml version="1.0" encoding="utf-8"?>
+<p:notes xmlns:a="http://schemas.openxmlformats.org/drawingml/2006/main" xmlns:r="http://schemas.openxmlformats.org/officeDocument/2006/relationships" xmlns:p="http://schemas.openxmlformats.org/presentationml/2006/main">
+  <p:cSld>
+    <p:spTree>
+      <p:nvGrpSpPr>
+        <p:cNvPr id="1" name=""/>
+        <p:cNvGrpSpPr/>
+        <p:nvPr/>
+      </p:nvGrpSpPr>
+      <p:grpSpPr>
+        <a:xfrm>
+          <a:off x="0" y="0"/>
+          <a:ext cx="0" cy="0"/>
+          <a:chOff x="0" y="0"/>
+          <a:chExt cx="0" cy="0"/>
+        </a:xfrm>
+      </p:grpSpPr>
+      <p:sp>
+        <p:nvSpPr>
+          <p:cNvPr id="2" name="幻灯片图像占位符 1"/>
+          <p:cNvSpPr>
+            <a:spLocks noGrp="1" noRot="1" noChangeAspect="1"/>
+          </p:cNvSpPr>
+          <p:nvPr>
+            <p:ph type="sldImg"/>
+          </p:nvPr>
+        </p:nvSpPr>
+        <p:spPr/>
+      </p:sp>
+      <p:sp>
+        <p:nvSpPr>
+          <p:cNvPr id="3" name="备注占位符 2"/>
+          <p:cNvSpPr>
+            <a:spLocks noGrp="1"/>
+          </p:cNvSpPr>
+          <p:nvPr>
+            <p:ph type="body" idx="1"/>
+          </p:nvPr>
+        </p:nvSpPr>
+        <p:spPr/>
+        <p:txBody>
+          <a:bodyPr/>
+          <a:lstStyle/>
+          <a:p>
+            <a:endParaRPr lang="zh-CN" altLang="en-US" dirty="0"/>
+          </a:p>
+        </p:txBody>
+      </p:sp>
+      <p:sp>
+        <p:nvSpPr>
+          <p:cNvPr id="4" name="灯片编号占位符 3"/>
+          <p:cNvSpPr>
+            <a:spLocks noGrp="1"/>
+          </p:cNvSpPr>
+          <p:nvPr>
+            <p:ph type="sldNum" sz="quarter" idx="5"/>
+          </p:nvPr>
+        </p:nvSpPr>
+        <p:spPr/>
+        <p:txBody>
+          <a:bodyPr/>
+          <a:lstStyle/>
+          <a:p>
+            <a:fld id="{1D35CB65-B3B6-4BCE-850B-F2A72F5967AA}" type="slidenum">
+              <a:rPr lang="zh-CN" altLang="en-US" smtClean="0"/>
+              <a:t>11</a:t>
+            </a:fld>
+            <a:endParaRPr lang="zh-CN" altLang="en-US"/>
+          </a:p>
+        </p:txBody>
+      </p:sp>
+    </p:spTree>
+    <p:extLst>
+      <p:ext uri="{BB962C8B-B14F-4D97-AF65-F5344CB8AC3E}">
+        <p14:creationId xmlns:p14="http://schemas.microsoft.com/office/powerpoint/2010/main" val="974873545"/>
+      </p:ext>
+    </p:extLst>
+  </p:cSld>
+  <p:clrMapOvr>
+    <a:masterClrMapping/>
+  </p:clrMapOvr>
+</p:notes>
+</file>
+
+<file path=ppt/notesSlides/notesSlide12.xml><?xml version="1.0" encoding="utf-8"?>
+<p:notes xmlns:a="http://schemas.openxmlformats.org/drawingml/2006/main" xmlns:r="http://schemas.openxmlformats.org/officeDocument/2006/relationships" xmlns:p="http://schemas.openxmlformats.org/presentationml/2006/main">
+  <p:cSld>
+    <p:spTree>
+      <p:nvGrpSpPr>
+        <p:cNvPr id="1" name=""/>
+        <p:cNvGrpSpPr/>
+        <p:nvPr/>
+      </p:nvGrpSpPr>
+      <p:grpSpPr>
+        <a:xfrm>
+          <a:off x="0" y="0"/>
+          <a:ext cx="0" cy="0"/>
+          <a:chOff x="0" y="0"/>
+          <a:chExt cx="0" cy="0"/>
+        </a:xfrm>
+      </p:grpSpPr>
+      <p:sp>
+        <p:nvSpPr>
+          <p:cNvPr id="2" name="幻灯片图像占位符 1"/>
+          <p:cNvSpPr>
+            <a:spLocks noGrp="1" noRot="1" noChangeAspect="1"/>
+          </p:cNvSpPr>
+          <p:nvPr>
+            <p:ph type="sldImg"/>
+          </p:nvPr>
+        </p:nvSpPr>
+        <p:spPr/>
+      </p:sp>
+      <p:sp>
+        <p:nvSpPr>
+          <p:cNvPr id="3" name="备注占位符 2"/>
+          <p:cNvSpPr>
+            <a:spLocks noGrp="1"/>
+          </p:cNvSpPr>
+          <p:nvPr>
+            <p:ph type="body" idx="1"/>
+          </p:nvPr>
+        </p:nvSpPr>
+        <p:spPr/>
+        <p:txBody>
+          <a:bodyPr/>
+          <a:lstStyle/>
+          <a:p>
+            <a:endParaRPr lang="zh-CN" altLang="en-US" dirty="0"/>
+          </a:p>
+        </p:txBody>
+      </p:sp>
+      <p:sp>
+        <p:nvSpPr>
+          <p:cNvPr id="4" name="灯片编号占位符 3"/>
+          <p:cNvSpPr>
+            <a:spLocks noGrp="1"/>
+          </p:cNvSpPr>
+          <p:nvPr>
+            <p:ph type="sldNum" sz="quarter" idx="5"/>
+          </p:nvPr>
+        </p:nvSpPr>
+        <p:spPr/>
+        <p:txBody>
+          <a:bodyPr/>
+          <a:lstStyle/>
+          <a:p>
+            <a:fld id="{1D35CB65-B3B6-4BCE-850B-F2A72F5967AA}" type="slidenum">
+              <a:rPr lang="zh-CN" altLang="en-US" smtClean="0"/>
+              <a:t>12</a:t>
+            </a:fld>
+            <a:endParaRPr lang="zh-CN" altLang="en-US"/>
+          </a:p>
+        </p:txBody>
+      </p:sp>
+    </p:spTree>
+    <p:extLst>
+      <p:ext uri="{BB962C8B-B14F-4D97-AF65-F5344CB8AC3E}">
+        <p14:creationId xmlns:p14="http://schemas.microsoft.com/office/powerpoint/2010/main" val="1123162784"/>
+      </p:ext>
+    </p:extLst>
+  </p:cSld>
+  <p:clrMapOvr>
+    <a:masterClrMapping/>
+  </p:clrMapOvr>
+</p:notes>
+</file>
+
+<file path=ppt/notesSlides/notesSlide13.xml><?xml version="1.0" encoding="utf-8"?>
+<p:notes xmlns:a="http://schemas.openxmlformats.org/drawingml/2006/main" xmlns:r="http://schemas.openxmlformats.org/officeDocument/2006/relationships" xmlns:p="http://schemas.openxmlformats.org/presentationml/2006/main">
+  <p:cSld>
+    <p:spTree>
+      <p:nvGrpSpPr>
+        <p:cNvPr id="1" name=""/>
+        <p:cNvGrpSpPr/>
+        <p:nvPr/>
+      </p:nvGrpSpPr>
+      <p:grpSpPr>
+        <a:xfrm>
+          <a:off x="0" y="0"/>
+          <a:ext cx="0" cy="0"/>
+          <a:chOff x="0" y="0"/>
+          <a:chExt cx="0" cy="0"/>
+        </a:xfrm>
+      </p:grpSpPr>
+      <p:sp>
+        <p:nvSpPr>
+          <p:cNvPr id="2" name="幻灯片图像占位符 1"/>
+          <p:cNvSpPr>
+            <a:spLocks noGrp="1" noRot="1" noChangeAspect="1"/>
+          </p:cNvSpPr>
+          <p:nvPr>
+            <p:ph type="sldImg"/>
+          </p:nvPr>
+        </p:nvSpPr>
+        <p:spPr/>
+      </p:sp>
+      <p:sp>
+        <p:nvSpPr>
+          <p:cNvPr id="3" name="备注占位符 2"/>
+          <p:cNvSpPr>
+            <a:spLocks noGrp="1"/>
+          </p:cNvSpPr>
+          <p:nvPr>
+            <p:ph type="body" idx="1"/>
+          </p:nvPr>
+        </p:nvSpPr>
+        <p:spPr/>
+        <p:txBody>
+          <a:bodyPr/>
+          <a:lstStyle/>
+          <a:p>
+            <a:endParaRPr lang="zh-CN" altLang="en-US" dirty="0"/>
+          </a:p>
+        </p:txBody>
+      </p:sp>
+      <p:sp>
+        <p:nvSpPr>
+          <p:cNvPr id="4" name="灯片编号占位符 3"/>
+          <p:cNvSpPr>
+            <a:spLocks noGrp="1"/>
+          </p:cNvSpPr>
+          <p:nvPr>
+            <p:ph type="sldNum" sz="quarter" idx="5"/>
+          </p:nvPr>
+        </p:nvSpPr>
+        <p:spPr/>
+        <p:txBody>
+          <a:bodyPr/>
+          <a:lstStyle/>
+          <a:p>
+            <a:fld id="{1D35CB65-B3B6-4BCE-850B-F2A72F5967AA}" type="slidenum">
+              <a:rPr lang="zh-CN" altLang="en-US" smtClean="0"/>
+              <a:t>13</a:t>
+            </a:fld>
+            <a:endParaRPr lang="zh-CN" altLang="en-US"/>
+          </a:p>
+        </p:txBody>
+      </p:sp>
+    </p:spTree>
+    <p:extLst>
+      <p:ext uri="{BB962C8B-B14F-4D97-AF65-F5344CB8AC3E}">
+        <p14:creationId xmlns:p14="http://schemas.microsoft.com/office/powerpoint/2010/main" val="3985576368"/>
+      </p:ext>
+    </p:extLst>
+  </p:cSld>
+  <p:clrMapOvr>
+    <a:masterClrMapping/>
+  </p:clrMapOvr>
+</p:notes>
+</file>
+
+<file path=ppt/notesSlides/notesSlide14.xml><?xml version="1.0" encoding="utf-8"?>
+<p:notes xmlns:a="http://schemas.openxmlformats.org/drawingml/2006/main" xmlns:r="http://schemas.openxmlformats.org/officeDocument/2006/relationships" xmlns:p="http://schemas.openxmlformats.org/presentationml/2006/main">
+  <p:cSld>
+    <p:spTree>
+      <p:nvGrpSpPr>
+        <p:cNvPr id="1" name=""/>
+        <p:cNvGrpSpPr/>
+        <p:nvPr/>
+      </p:nvGrpSpPr>
+      <p:grpSpPr>
+        <a:xfrm>
+          <a:off x="0" y="0"/>
+          <a:ext cx="0" cy="0"/>
+          <a:chOff x="0" y="0"/>
+          <a:chExt cx="0" cy="0"/>
+        </a:xfrm>
+      </p:grpSpPr>
+      <p:sp>
+        <p:nvSpPr>
+          <p:cNvPr id="2" name="幻灯片图像占位符 1"/>
+          <p:cNvSpPr>
+            <a:spLocks noGrp="1" noRot="1" noChangeAspect="1"/>
+          </p:cNvSpPr>
+          <p:nvPr>
+            <p:ph type="sldImg"/>
+          </p:nvPr>
+        </p:nvSpPr>
+        <p:spPr/>
+      </p:sp>
+      <p:sp>
+        <p:nvSpPr>
+          <p:cNvPr id="3" name="备注占位符 2"/>
+          <p:cNvSpPr>
+            <a:spLocks noGrp="1"/>
+          </p:cNvSpPr>
+          <p:nvPr>
+            <p:ph type="body" idx="1"/>
+          </p:nvPr>
+        </p:nvSpPr>
+        <p:spPr/>
+        <p:txBody>
+          <a:bodyPr/>
+          <a:lstStyle/>
+          <a:p>
+            <a:endParaRPr lang="zh-CN" altLang="en-US" dirty="0"/>
+          </a:p>
+        </p:txBody>
+      </p:sp>
+      <p:sp>
+        <p:nvSpPr>
+          <p:cNvPr id="4" name="灯片编号占位符 3"/>
+          <p:cNvSpPr>
+            <a:spLocks noGrp="1"/>
+          </p:cNvSpPr>
+          <p:nvPr>
+            <p:ph type="sldNum" sz="quarter" idx="5"/>
+          </p:nvPr>
+        </p:nvSpPr>
+        <p:spPr/>
+        <p:txBody>
+          <a:bodyPr/>
+          <a:lstStyle/>
+          <a:p>
+            <a:fld id="{1D35CB65-B3B6-4BCE-850B-F2A72F5967AA}" type="slidenum">
+              <a:rPr lang="zh-CN" altLang="en-US" smtClean="0"/>
+              <a:t>14</a:t>
+            </a:fld>
+            <a:endParaRPr lang="zh-CN" altLang="en-US"/>
+          </a:p>
+        </p:txBody>
+      </p:sp>
+    </p:spTree>
+    <p:extLst>
+      <p:ext uri="{BB962C8B-B14F-4D97-AF65-F5344CB8AC3E}">
+        <p14:creationId xmlns:p14="http://schemas.microsoft.com/office/powerpoint/2010/main" val="3918811044"/>
+      </p:ext>
+    </p:extLst>
+  </p:cSld>
+  <p:clrMapOvr>
+    <a:masterClrMapping/>
+  </p:clrMapOvr>
+</p:notes>
+</file>
+
+<file path=ppt/notesSlides/notesSlide15.xml><?xml version="1.0" encoding="utf-8"?>
+<p:notes xmlns:a="http://schemas.openxmlformats.org/drawingml/2006/main" xmlns:r="http://schemas.openxmlformats.org/officeDocument/2006/relationships" xmlns:p="http://schemas.openxmlformats.org/presentationml/2006/main">
+  <p:cSld>
+    <p:spTree>
+      <p:nvGrpSpPr>
+        <p:cNvPr id="1" name=""/>
+        <p:cNvGrpSpPr/>
+        <p:nvPr/>
+      </p:nvGrpSpPr>
+      <p:grpSpPr>
+        <a:xfrm>
+          <a:off x="0" y="0"/>
+          <a:ext cx="0" cy="0"/>
+          <a:chOff x="0" y="0"/>
+          <a:chExt cx="0" cy="0"/>
+        </a:xfrm>
+      </p:grpSpPr>
+      <p:sp>
+        <p:nvSpPr>
+          <p:cNvPr id="2" name="幻灯片图像占位符 1"/>
+          <p:cNvSpPr>
+            <a:spLocks noGrp="1" noRot="1" noChangeAspect="1"/>
+          </p:cNvSpPr>
+          <p:nvPr>
+            <p:ph type="sldImg"/>
+          </p:nvPr>
+        </p:nvSpPr>
+        <p:spPr/>
+      </p:sp>
+      <p:sp>
+        <p:nvSpPr>
+          <p:cNvPr id="3" name="备注占位符 2"/>
+          <p:cNvSpPr>
+            <a:spLocks noGrp="1"/>
+          </p:cNvSpPr>
+          <p:nvPr>
+            <p:ph type="body" idx="1"/>
+          </p:nvPr>
+        </p:nvSpPr>
+        <p:spPr/>
+        <p:txBody>
+          <a:bodyPr/>
+          <a:lstStyle/>
+          <a:p>
+            <a:endParaRPr lang="zh-CN" altLang="en-US" dirty="0"/>
+          </a:p>
+        </p:txBody>
+      </p:sp>
+      <p:sp>
+        <p:nvSpPr>
+          <p:cNvPr id="4" name="灯片编号占位符 3"/>
+          <p:cNvSpPr>
+            <a:spLocks noGrp="1"/>
+          </p:cNvSpPr>
+          <p:nvPr>
+            <p:ph type="sldNum" sz="quarter" idx="5"/>
+          </p:nvPr>
+        </p:nvSpPr>
+        <p:spPr/>
+        <p:txBody>
+          <a:bodyPr/>
+          <a:lstStyle/>
+          <a:p>
+            <a:fld id="{1D35CB65-B3B6-4BCE-850B-F2A72F5967AA}" type="slidenum">
+              <a:rPr lang="zh-CN" altLang="en-US" smtClean="0"/>
+              <a:t>15</a:t>
+            </a:fld>
+            <a:endParaRPr lang="zh-CN" altLang="en-US"/>
+          </a:p>
+        </p:txBody>
+      </p:sp>
+    </p:spTree>
+    <p:extLst>
+      <p:ext uri="{BB962C8B-B14F-4D97-AF65-F5344CB8AC3E}">
+        <p14:creationId xmlns:p14="http://schemas.microsoft.com/office/powerpoint/2010/main" val="3530270037"/>
+      </p:ext>
+    </p:extLst>
+  </p:cSld>
+  <p:clrMapOvr>
+    <a:masterClrMapping/>
+  </p:clrMapOvr>
+</p:notes>
+</file>
+
+<file path=ppt/notesSlides/notesSlide16.xml><?xml version="1.0" encoding="utf-8"?>
+<p:notes xmlns:a="http://schemas.openxmlformats.org/drawingml/2006/main" xmlns:r="http://schemas.openxmlformats.org/officeDocument/2006/relationships" xmlns:p="http://schemas.openxmlformats.org/presentationml/2006/main">
+  <p:cSld>
+    <p:spTree>
+      <p:nvGrpSpPr>
+        <p:cNvPr id="1" name=""/>
+        <p:cNvGrpSpPr/>
+        <p:nvPr/>
+      </p:nvGrpSpPr>
+      <p:grpSpPr>
+        <a:xfrm>
+          <a:off x="0" y="0"/>
+          <a:ext cx="0" cy="0"/>
+          <a:chOff x="0" y="0"/>
+          <a:chExt cx="0" cy="0"/>
+        </a:xfrm>
+      </p:grpSpPr>
+      <p:sp>
+        <p:nvSpPr>
+          <p:cNvPr id="2" name="幻灯片图像占位符 1"/>
+          <p:cNvSpPr>
+            <a:spLocks noGrp="1" noRot="1" noChangeAspect="1"/>
+          </p:cNvSpPr>
+          <p:nvPr>
+            <p:ph type="sldImg"/>
+          </p:nvPr>
+        </p:nvSpPr>
+        <p:spPr/>
+      </p:sp>
+      <p:sp>
+        <p:nvSpPr>
+          <p:cNvPr id="3" name="备注占位符 2"/>
+          <p:cNvSpPr>
+            <a:spLocks noGrp="1"/>
+          </p:cNvSpPr>
+          <p:nvPr>
+            <p:ph type="body" idx="1"/>
+          </p:nvPr>
+        </p:nvSpPr>
+        <p:spPr/>
+        <p:txBody>
+          <a:bodyPr/>
+          <a:lstStyle/>
+          <a:p>
+            <a:endParaRPr lang="zh-CN" altLang="en-US" dirty="0"/>
+          </a:p>
+        </p:txBody>
+      </p:sp>
+      <p:sp>
+        <p:nvSpPr>
+          <p:cNvPr id="4" name="灯片编号占位符 3"/>
+          <p:cNvSpPr>
+            <a:spLocks noGrp="1"/>
+          </p:cNvSpPr>
+          <p:nvPr>
+            <p:ph type="sldNum" sz="quarter" idx="5"/>
+          </p:nvPr>
+        </p:nvSpPr>
+        <p:spPr/>
+        <p:txBody>
+          <a:bodyPr/>
+          <a:lstStyle/>
+          <a:p>
+            <a:fld id="{1D35CB65-B3B6-4BCE-850B-F2A72F5967AA}" type="slidenum">
+              <a:rPr lang="zh-CN" altLang="en-US" smtClean="0"/>
+              <a:t>16</a:t>
+            </a:fld>
+            <a:endParaRPr lang="zh-CN" altLang="en-US"/>
+          </a:p>
+        </p:txBody>
+      </p:sp>
+    </p:spTree>
+    <p:extLst>
+      <p:ext uri="{BB962C8B-B14F-4D97-AF65-F5344CB8AC3E}">
+        <p14:creationId xmlns:p14="http://schemas.microsoft.com/office/powerpoint/2010/main" val="3586295379"/>
+      </p:ext>
+    </p:extLst>
+  </p:cSld>
+  <p:clrMapOvr>
+    <a:masterClrMapping/>
+  </p:clrMapOvr>
+</p:notes>
+</file>
+
+<file path=ppt/notesSlides/notesSlide17.xml><?xml version="1.0" encoding="utf-8"?>
+<p:notes xmlns:a="http://schemas.openxmlformats.org/drawingml/2006/main" xmlns:r="http://schemas.openxmlformats.org/officeDocument/2006/relationships" xmlns:p="http://schemas.openxmlformats.org/presentationml/2006/main">
+  <p:cSld>
+    <p:spTree>
+      <p:nvGrpSpPr>
+        <p:cNvPr id="1" name=""/>
+        <p:cNvGrpSpPr/>
+        <p:nvPr/>
+      </p:nvGrpSpPr>
+      <p:grpSpPr>
+        <a:xfrm>
+          <a:off x="0" y="0"/>
+          <a:ext cx="0" cy="0"/>
+          <a:chOff x="0" y="0"/>
+          <a:chExt cx="0" cy="0"/>
+        </a:xfrm>
+      </p:grpSpPr>
+      <p:sp>
+        <p:nvSpPr>
+          <p:cNvPr id="2" name="幻灯片图像占位符 1"/>
+          <p:cNvSpPr>
+            <a:spLocks noGrp="1" noRot="1" noChangeAspect="1"/>
+          </p:cNvSpPr>
+          <p:nvPr>
+            <p:ph type="sldImg"/>
+          </p:nvPr>
+        </p:nvSpPr>
+        <p:spPr/>
+      </p:sp>
+      <p:sp>
+        <p:nvSpPr>
+          <p:cNvPr id="3" name="备注占位符 2"/>
+          <p:cNvSpPr>
+            <a:spLocks noGrp="1"/>
+          </p:cNvSpPr>
+          <p:nvPr>
+            <p:ph type="body" idx="1"/>
+          </p:nvPr>
+        </p:nvSpPr>
+        <p:spPr/>
+        <p:txBody>
+          <a:bodyPr/>
+          <a:lstStyle/>
+          <a:p>
+            <a:endParaRPr lang="zh-CN" altLang="en-US" dirty="0"/>
+          </a:p>
+        </p:txBody>
+      </p:sp>
+      <p:sp>
+        <p:nvSpPr>
+          <p:cNvPr id="4" name="灯片编号占位符 3"/>
+          <p:cNvSpPr>
+            <a:spLocks noGrp="1"/>
+          </p:cNvSpPr>
+          <p:nvPr>
+            <p:ph type="sldNum" sz="quarter" idx="5"/>
+          </p:nvPr>
+        </p:nvSpPr>
+        <p:spPr/>
+        <p:txBody>
+          <a:bodyPr/>
+          <a:lstStyle/>
+          <a:p>
+            <a:fld id="{1D35CB65-B3B6-4BCE-850B-F2A72F5967AA}" type="slidenum">
+              <a:rPr lang="zh-CN" altLang="en-US" smtClean="0"/>
+              <a:t>17</a:t>
+            </a:fld>
+            <a:endParaRPr lang="zh-CN" altLang="en-US"/>
+          </a:p>
+        </p:txBody>
+      </p:sp>
+    </p:spTree>
+    <p:extLst>
+      <p:ext uri="{BB962C8B-B14F-4D97-AF65-F5344CB8AC3E}">
+        <p14:creationId xmlns:p14="http://schemas.microsoft.com/office/powerpoint/2010/main" val="3778551701"/>
+      </p:ext>
+    </p:extLst>
+  </p:cSld>
+  <p:clrMapOvr>
+    <a:masterClrMapping/>
+  </p:clrMapOvr>
+</p:notes>
+</file>
+
+<file path=ppt/notesSlides/notesSlide18.xml><?xml version="1.0" encoding="utf-8"?>
+<p:notes xmlns:a="http://schemas.openxmlformats.org/drawingml/2006/main" xmlns:r="http://schemas.openxmlformats.org/officeDocument/2006/relationships" xmlns:p="http://schemas.openxmlformats.org/presentationml/2006/main">
+  <p:cSld>
+    <p:spTree>
+      <p:nvGrpSpPr>
+        <p:cNvPr id="1" name=""/>
+        <p:cNvGrpSpPr/>
+        <p:nvPr/>
+      </p:nvGrpSpPr>
+      <p:grpSpPr>
+        <a:xfrm>
+          <a:off x="0" y="0"/>
+          <a:ext cx="0" cy="0"/>
+          <a:chOff x="0" y="0"/>
+          <a:chExt cx="0" cy="0"/>
+        </a:xfrm>
+      </p:grpSpPr>
+      <p:sp>
+        <p:nvSpPr>
+          <p:cNvPr id="2" name="幻灯片图像占位符 1"/>
+          <p:cNvSpPr>
+            <a:spLocks noGrp="1" noRot="1" noChangeAspect="1"/>
+          </p:cNvSpPr>
+          <p:nvPr>
+            <p:ph type="sldImg"/>
+          </p:nvPr>
+        </p:nvSpPr>
+        <p:spPr/>
+      </p:sp>
+      <p:sp>
+        <p:nvSpPr>
+          <p:cNvPr id="3" name="备注占位符 2"/>
+          <p:cNvSpPr>
+            <a:spLocks noGrp="1"/>
+          </p:cNvSpPr>
+          <p:nvPr>
+            <p:ph type="body" idx="1"/>
+          </p:nvPr>
+        </p:nvSpPr>
+        <p:spPr/>
+        <p:txBody>
+          <a:bodyPr/>
+          <a:lstStyle/>
+          <a:p>
+            <a:endParaRPr lang="zh-CN" altLang="en-US" dirty="0"/>
+          </a:p>
+        </p:txBody>
+      </p:sp>
+      <p:sp>
+        <p:nvSpPr>
+          <p:cNvPr id="4" name="灯片编号占位符 3"/>
+          <p:cNvSpPr>
+            <a:spLocks noGrp="1"/>
+          </p:cNvSpPr>
+          <p:nvPr>
+            <p:ph type="sldNum" sz="quarter" idx="5"/>
+          </p:nvPr>
+        </p:nvSpPr>
+        <p:spPr/>
+        <p:txBody>
+          <a:bodyPr/>
+          <a:lstStyle/>
+          <a:p>
+            <a:fld id="{1D35CB65-B3B6-4BCE-850B-F2A72F5967AA}" type="slidenum">
+              <a:rPr lang="zh-CN" altLang="en-US" smtClean="0"/>
+              <a:t>18</a:t>
+            </a:fld>
+            <a:endParaRPr lang="zh-CN" altLang="en-US"/>
+          </a:p>
+        </p:txBody>
+      </p:sp>
+    </p:spTree>
+    <p:extLst>
+      <p:ext uri="{BB962C8B-B14F-4D97-AF65-F5344CB8AC3E}">
+        <p14:creationId xmlns:p14="http://schemas.microsoft.com/office/powerpoint/2010/main" val="83203297"/>
+      </p:ext>
+    </p:extLst>
+  </p:cSld>
+  <p:clrMapOvr>
+    <a:masterClrMapping/>
+  </p:clrMapOvr>
+</p:notes>
+</file>
+
+<file path=ppt/notesSlides/notesSlide19.xml><?xml version="1.0" encoding="utf-8"?>
+<p:notes xmlns:a="http://schemas.openxmlformats.org/drawingml/2006/main" xmlns:r="http://schemas.openxmlformats.org/officeDocument/2006/relationships" xmlns:p="http://schemas.openxmlformats.org/presentationml/2006/main">
+  <p:cSld>
+    <p:spTree>
+      <p:nvGrpSpPr>
+        <p:cNvPr id="1" name=""/>
+        <p:cNvGrpSpPr/>
+        <p:nvPr/>
+      </p:nvGrpSpPr>
+      <p:grpSpPr>
+        <a:xfrm>
+          <a:off x="0" y="0"/>
+          <a:ext cx="0" cy="0"/>
+          <a:chOff x="0" y="0"/>
+          <a:chExt cx="0" cy="0"/>
+        </a:xfrm>
+      </p:grpSpPr>
+      <p:sp>
+        <p:nvSpPr>
+          <p:cNvPr id="2" name="幻灯片图像占位符 1"/>
+          <p:cNvSpPr>
+            <a:spLocks noGrp="1" noRot="1" noChangeAspect="1"/>
+          </p:cNvSpPr>
+          <p:nvPr>
+            <p:ph type="sldImg"/>
+          </p:nvPr>
+        </p:nvSpPr>
+        <p:spPr/>
+      </p:sp>
+      <p:sp>
+        <p:nvSpPr>
+          <p:cNvPr id="3" name="备注占位符 2"/>
+          <p:cNvSpPr>
+            <a:spLocks noGrp="1"/>
+          </p:cNvSpPr>
+          <p:nvPr>
+            <p:ph type="body" idx="1"/>
+          </p:nvPr>
+        </p:nvSpPr>
+        <p:spPr/>
+        <p:txBody>
+          <a:bodyPr/>
+          <a:lstStyle/>
+          <a:p>
+            <a:endParaRPr lang="zh-CN" altLang="en-US" dirty="0"/>
+          </a:p>
+        </p:txBody>
+      </p:sp>
+      <p:sp>
+        <p:nvSpPr>
+          <p:cNvPr id="4" name="灯片编号占位符 3"/>
+          <p:cNvSpPr>
+            <a:spLocks noGrp="1"/>
+          </p:cNvSpPr>
+          <p:nvPr>
+            <p:ph type="sldNum" sz="quarter" idx="5"/>
+          </p:nvPr>
+        </p:nvSpPr>
+        <p:spPr/>
+        <p:txBody>
+          <a:bodyPr/>
+          <a:lstStyle/>
+          <a:p>
+            <a:fld id="{1D35CB65-B3B6-4BCE-850B-F2A72F5967AA}" type="slidenum">
+              <a:rPr lang="zh-CN" altLang="en-US" smtClean="0"/>
+              <a:t>19</a:t>
+            </a:fld>
+            <a:endParaRPr lang="zh-CN" altLang="en-US"/>
+          </a:p>
+        </p:txBody>
+      </p:sp>
+    </p:spTree>
+    <p:extLst>
+      <p:ext uri="{BB962C8B-B14F-4D97-AF65-F5344CB8AC3E}">
+        <p14:creationId xmlns:p14="http://schemas.microsoft.com/office/powerpoint/2010/main" val="2421808976"/>
+      </p:ext>
+    </p:extLst>
+  </p:cSld>
+  <p:clrMapOvr>
+    <a:masterClrMapping/>
+  </p:clrMapOvr>
+</p:notes>
+</file>
+
 <file path=ppt/notesSlides/notesSlide2.xml><?xml version="1.0" encoding="utf-8"?>
 <p:notes xmlns:a="http://schemas.openxmlformats.org/drawingml/2006/main" xmlns:r="http://schemas.openxmlformats.org/officeDocument/2006/relationships" xmlns:p="http://schemas.openxmlformats.org/presentationml/2006/main">
   <p:cSld>
@@ -627,6 +1483,174 @@
     <p:extLst>
       <p:ext uri="{BB962C8B-B14F-4D97-AF65-F5344CB8AC3E}">
         <p14:creationId xmlns:p14="http://schemas.microsoft.com/office/powerpoint/2010/main" val="106953897"/>
+      </p:ext>
+    </p:extLst>
+  </p:cSld>
+  <p:clrMapOvr>
+    <a:masterClrMapping/>
+  </p:clrMapOvr>
+</p:notes>
+</file>
+
+<file path=ppt/notesSlides/notesSlide20.xml><?xml version="1.0" encoding="utf-8"?>
+<p:notes xmlns:a="http://schemas.openxmlformats.org/drawingml/2006/main" xmlns:r="http://schemas.openxmlformats.org/officeDocument/2006/relationships" xmlns:p="http://schemas.openxmlformats.org/presentationml/2006/main">
+  <p:cSld>
+    <p:spTree>
+      <p:nvGrpSpPr>
+        <p:cNvPr id="1" name=""/>
+        <p:cNvGrpSpPr/>
+        <p:nvPr/>
+      </p:nvGrpSpPr>
+      <p:grpSpPr>
+        <a:xfrm>
+          <a:off x="0" y="0"/>
+          <a:ext cx="0" cy="0"/>
+          <a:chOff x="0" y="0"/>
+          <a:chExt cx="0" cy="0"/>
+        </a:xfrm>
+      </p:grpSpPr>
+      <p:sp>
+        <p:nvSpPr>
+          <p:cNvPr id="2" name="幻灯片图像占位符 1"/>
+          <p:cNvSpPr>
+            <a:spLocks noGrp="1" noRot="1" noChangeAspect="1"/>
+          </p:cNvSpPr>
+          <p:nvPr>
+            <p:ph type="sldImg"/>
+          </p:nvPr>
+        </p:nvSpPr>
+        <p:spPr/>
+      </p:sp>
+      <p:sp>
+        <p:nvSpPr>
+          <p:cNvPr id="3" name="备注占位符 2"/>
+          <p:cNvSpPr>
+            <a:spLocks noGrp="1"/>
+          </p:cNvSpPr>
+          <p:nvPr>
+            <p:ph type="body" idx="1"/>
+          </p:nvPr>
+        </p:nvSpPr>
+        <p:spPr/>
+        <p:txBody>
+          <a:bodyPr/>
+          <a:lstStyle/>
+          <a:p>
+            <a:endParaRPr lang="zh-CN" altLang="en-US" dirty="0"/>
+          </a:p>
+        </p:txBody>
+      </p:sp>
+      <p:sp>
+        <p:nvSpPr>
+          <p:cNvPr id="4" name="灯片编号占位符 3"/>
+          <p:cNvSpPr>
+            <a:spLocks noGrp="1"/>
+          </p:cNvSpPr>
+          <p:nvPr>
+            <p:ph type="sldNum" sz="quarter" idx="5"/>
+          </p:nvPr>
+        </p:nvSpPr>
+        <p:spPr/>
+        <p:txBody>
+          <a:bodyPr/>
+          <a:lstStyle/>
+          <a:p>
+            <a:fld id="{1D35CB65-B3B6-4BCE-850B-F2A72F5967AA}" type="slidenum">
+              <a:rPr lang="zh-CN" altLang="en-US" smtClean="0"/>
+              <a:t>20</a:t>
+            </a:fld>
+            <a:endParaRPr lang="zh-CN" altLang="en-US"/>
+          </a:p>
+        </p:txBody>
+      </p:sp>
+    </p:spTree>
+    <p:extLst>
+      <p:ext uri="{BB962C8B-B14F-4D97-AF65-F5344CB8AC3E}">
+        <p14:creationId xmlns:p14="http://schemas.microsoft.com/office/powerpoint/2010/main" val="1604789406"/>
+      </p:ext>
+    </p:extLst>
+  </p:cSld>
+  <p:clrMapOvr>
+    <a:masterClrMapping/>
+  </p:clrMapOvr>
+</p:notes>
+</file>
+
+<file path=ppt/notesSlides/notesSlide21.xml><?xml version="1.0" encoding="utf-8"?>
+<p:notes xmlns:a="http://schemas.openxmlformats.org/drawingml/2006/main" xmlns:r="http://schemas.openxmlformats.org/officeDocument/2006/relationships" xmlns:p="http://schemas.openxmlformats.org/presentationml/2006/main">
+  <p:cSld>
+    <p:spTree>
+      <p:nvGrpSpPr>
+        <p:cNvPr id="1" name=""/>
+        <p:cNvGrpSpPr/>
+        <p:nvPr/>
+      </p:nvGrpSpPr>
+      <p:grpSpPr>
+        <a:xfrm>
+          <a:off x="0" y="0"/>
+          <a:ext cx="0" cy="0"/>
+          <a:chOff x="0" y="0"/>
+          <a:chExt cx="0" cy="0"/>
+        </a:xfrm>
+      </p:grpSpPr>
+      <p:sp>
+        <p:nvSpPr>
+          <p:cNvPr id="2" name="幻灯片图像占位符 1"/>
+          <p:cNvSpPr>
+            <a:spLocks noGrp="1" noRot="1" noChangeAspect="1"/>
+          </p:cNvSpPr>
+          <p:nvPr>
+            <p:ph type="sldImg"/>
+          </p:nvPr>
+        </p:nvSpPr>
+        <p:spPr/>
+      </p:sp>
+      <p:sp>
+        <p:nvSpPr>
+          <p:cNvPr id="3" name="备注占位符 2"/>
+          <p:cNvSpPr>
+            <a:spLocks noGrp="1"/>
+          </p:cNvSpPr>
+          <p:nvPr>
+            <p:ph type="body" idx="1"/>
+          </p:nvPr>
+        </p:nvSpPr>
+        <p:spPr/>
+        <p:txBody>
+          <a:bodyPr/>
+          <a:lstStyle/>
+          <a:p>
+            <a:endParaRPr lang="zh-CN" altLang="en-US" dirty="0"/>
+          </a:p>
+        </p:txBody>
+      </p:sp>
+      <p:sp>
+        <p:nvSpPr>
+          <p:cNvPr id="4" name="灯片编号占位符 3"/>
+          <p:cNvSpPr>
+            <a:spLocks noGrp="1"/>
+          </p:cNvSpPr>
+          <p:nvPr>
+            <p:ph type="sldNum" sz="quarter" idx="5"/>
+          </p:nvPr>
+        </p:nvSpPr>
+        <p:spPr/>
+        <p:txBody>
+          <a:bodyPr/>
+          <a:lstStyle/>
+          <a:p>
+            <a:fld id="{1D35CB65-B3B6-4BCE-850B-F2A72F5967AA}" type="slidenum">
+              <a:rPr lang="zh-CN" altLang="en-US" smtClean="0"/>
+              <a:t>21</a:t>
+            </a:fld>
+            <a:endParaRPr lang="zh-CN" altLang="en-US"/>
+          </a:p>
+        </p:txBody>
+      </p:sp>
+    </p:spTree>
+    <p:extLst>
+      <p:ext uri="{BB962C8B-B14F-4D97-AF65-F5344CB8AC3E}">
+        <p14:creationId xmlns:p14="http://schemas.microsoft.com/office/powerpoint/2010/main" val="2200253265"/>
       </p:ext>
     </p:extLst>
   </p:cSld>
@@ -879,6 +1903,342 @@
     <p:extLst>
       <p:ext uri="{BB962C8B-B14F-4D97-AF65-F5344CB8AC3E}">
         <p14:creationId xmlns:p14="http://schemas.microsoft.com/office/powerpoint/2010/main" val="3333818555"/>
+      </p:ext>
+    </p:extLst>
+  </p:cSld>
+  <p:clrMapOvr>
+    <a:masterClrMapping/>
+  </p:clrMapOvr>
+</p:notes>
+</file>
+
+<file path=ppt/notesSlides/notesSlide6.xml><?xml version="1.0" encoding="utf-8"?>
+<p:notes xmlns:a="http://schemas.openxmlformats.org/drawingml/2006/main" xmlns:r="http://schemas.openxmlformats.org/officeDocument/2006/relationships" xmlns:p="http://schemas.openxmlformats.org/presentationml/2006/main">
+  <p:cSld>
+    <p:spTree>
+      <p:nvGrpSpPr>
+        <p:cNvPr id="1" name=""/>
+        <p:cNvGrpSpPr/>
+        <p:nvPr/>
+      </p:nvGrpSpPr>
+      <p:grpSpPr>
+        <a:xfrm>
+          <a:off x="0" y="0"/>
+          <a:ext cx="0" cy="0"/>
+          <a:chOff x="0" y="0"/>
+          <a:chExt cx="0" cy="0"/>
+        </a:xfrm>
+      </p:grpSpPr>
+      <p:sp>
+        <p:nvSpPr>
+          <p:cNvPr id="2" name="幻灯片图像占位符 1"/>
+          <p:cNvSpPr>
+            <a:spLocks noGrp="1" noRot="1" noChangeAspect="1"/>
+          </p:cNvSpPr>
+          <p:nvPr>
+            <p:ph type="sldImg"/>
+          </p:nvPr>
+        </p:nvSpPr>
+        <p:spPr/>
+      </p:sp>
+      <p:sp>
+        <p:nvSpPr>
+          <p:cNvPr id="3" name="备注占位符 2"/>
+          <p:cNvSpPr>
+            <a:spLocks noGrp="1"/>
+          </p:cNvSpPr>
+          <p:nvPr>
+            <p:ph type="body" idx="1"/>
+          </p:nvPr>
+        </p:nvSpPr>
+        <p:spPr/>
+        <p:txBody>
+          <a:bodyPr/>
+          <a:lstStyle/>
+          <a:p>
+            <a:endParaRPr lang="zh-CN" altLang="en-US" dirty="0"/>
+          </a:p>
+        </p:txBody>
+      </p:sp>
+      <p:sp>
+        <p:nvSpPr>
+          <p:cNvPr id="4" name="灯片编号占位符 3"/>
+          <p:cNvSpPr>
+            <a:spLocks noGrp="1"/>
+          </p:cNvSpPr>
+          <p:nvPr>
+            <p:ph type="sldNum" sz="quarter" idx="5"/>
+          </p:nvPr>
+        </p:nvSpPr>
+        <p:spPr/>
+        <p:txBody>
+          <a:bodyPr/>
+          <a:lstStyle/>
+          <a:p>
+            <a:fld id="{1D35CB65-B3B6-4BCE-850B-F2A72F5967AA}" type="slidenum">
+              <a:rPr lang="zh-CN" altLang="en-US" smtClean="0"/>
+              <a:t>6</a:t>
+            </a:fld>
+            <a:endParaRPr lang="zh-CN" altLang="en-US"/>
+          </a:p>
+        </p:txBody>
+      </p:sp>
+    </p:spTree>
+    <p:extLst>
+      <p:ext uri="{BB962C8B-B14F-4D97-AF65-F5344CB8AC3E}">
+        <p14:creationId xmlns:p14="http://schemas.microsoft.com/office/powerpoint/2010/main" val="2293551203"/>
+      </p:ext>
+    </p:extLst>
+  </p:cSld>
+  <p:clrMapOvr>
+    <a:masterClrMapping/>
+  </p:clrMapOvr>
+</p:notes>
+</file>
+
+<file path=ppt/notesSlides/notesSlide7.xml><?xml version="1.0" encoding="utf-8"?>
+<p:notes xmlns:a="http://schemas.openxmlformats.org/drawingml/2006/main" xmlns:r="http://schemas.openxmlformats.org/officeDocument/2006/relationships" xmlns:p="http://schemas.openxmlformats.org/presentationml/2006/main">
+  <p:cSld>
+    <p:spTree>
+      <p:nvGrpSpPr>
+        <p:cNvPr id="1" name=""/>
+        <p:cNvGrpSpPr/>
+        <p:nvPr/>
+      </p:nvGrpSpPr>
+      <p:grpSpPr>
+        <a:xfrm>
+          <a:off x="0" y="0"/>
+          <a:ext cx="0" cy="0"/>
+          <a:chOff x="0" y="0"/>
+          <a:chExt cx="0" cy="0"/>
+        </a:xfrm>
+      </p:grpSpPr>
+      <p:sp>
+        <p:nvSpPr>
+          <p:cNvPr id="2" name="幻灯片图像占位符 1"/>
+          <p:cNvSpPr>
+            <a:spLocks noGrp="1" noRot="1" noChangeAspect="1"/>
+          </p:cNvSpPr>
+          <p:nvPr>
+            <p:ph type="sldImg"/>
+          </p:nvPr>
+        </p:nvSpPr>
+        <p:spPr/>
+      </p:sp>
+      <p:sp>
+        <p:nvSpPr>
+          <p:cNvPr id="3" name="备注占位符 2"/>
+          <p:cNvSpPr>
+            <a:spLocks noGrp="1"/>
+          </p:cNvSpPr>
+          <p:nvPr>
+            <p:ph type="body" idx="1"/>
+          </p:nvPr>
+        </p:nvSpPr>
+        <p:spPr/>
+        <p:txBody>
+          <a:bodyPr/>
+          <a:lstStyle/>
+          <a:p>
+            <a:endParaRPr lang="zh-CN" altLang="en-US" dirty="0"/>
+          </a:p>
+        </p:txBody>
+      </p:sp>
+      <p:sp>
+        <p:nvSpPr>
+          <p:cNvPr id="4" name="灯片编号占位符 3"/>
+          <p:cNvSpPr>
+            <a:spLocks noGrp="1"/>
+          </p:cNvSpPr>
+          <p:nvPr>
+            <p:ph type="sldNum" sz="quarter" idx="5"/>
+          </p:nvPr>
+        </p:nvSpPr>
+        <p:spPr/>
+        <p:txBody>
+          <a:bodyPr/>
+          <a:lstStyle/>
+          <a:p>
+            <a:fld id="{1D35CB65-B3B6-4BCE-850B-F2A72F5967AA}" type="slidenum">
+              <a:rPr lang="zh-CN" altLang="en-US" smtClean="0"/>
+              <a:t>7</a:t>
+            </a:fld>
+            <a:endParaRPr lang="zh-CN" altLang="en-US"/>
+          </a:p>
+        </p:txBody>
+      </p:sp>
+    </p:spTree>
+    <p:extLst>
+      <p:ext uri="{BB962C8B-B14F-4D97-AF65-F5344CB8AC3E}">
+        <p14:creationId xmlns:p14="http://schemas.microsoft.com/office/powerpoint/2010/main" val="1099007952"/>
+      </p:ext>
+    </p:extLst>
+  </p:cSld>
+  <p:clrMapOvr>
+    <a:masterClrMapping/>
+  </p:clrMapOvr>
+</p:notes>
+</file>
+
+<file path=ppt/notesSlides/notesSlide8.xml><?xml version="1.0" encoding="utf-8"?>
+<p:notes xmlns:a="http://schemas.openxmlformats.org/drawingml/2006/main" xmlns:r="http://schemas.openxmlformats.org/officeDocument/2006/relationships" xmlns:p="http://schemas.openxmlformats.org/presentationml/2006/main">
+  <p:cSld>
+    <p:spTree>
+      <p:nvGrpSpPr>
+        <p:cNvPr id="1" name=""/>
+        <p:cNvGrpSpPr/>
+        <p:nvPr/>
+      </p:nvGrpSpPr>
+      <p:grpSpPr>
+        <a:xfrm>
+          <a:off x="0" y="0"/>
+          <a:ext cx="0" cy="0"/>
+          <a:chOff x="0" y="0"/>
+          <a:chExt cx="0" cy="0"/>
+        </a:xfrm>
+      </p:grpSpPr>
+      <p:sp>
+        <p:nvSpPr>
+          <p:cNvPr id="2" name="幻灯片图像占位符 1"/>
+          <p:cNvSpPr>
+            <a:spLocks noGrp="1" noRot="1" noChangeAspect="1"/>
+          </p:cNvSpPr>
+          <p:nvPr>
+            <p:ph type="sldImg"/>
+          </p:nvPr>
+        </p:nvSpPr>
+        <p:spPr/>
+      </p:sp>
+      <p:sp>
+        <p:nvSpPr>
+          <p:cNvPr id="3" name="备注占位符 2"/>
+          <p:cNvSpPr>
+            <a:spLocks noGrp="1"/>
+          </p:cNvSpPr>
+          <p:nvPr>
+            <p:ph type="body" idx="1"/>
+          </p:nvPr>
+        </p:nvSpPr>
+        <p:spPr/>
+        <p:txBody>
+          <a:bodyPr/>
+          <a:lstStyle/>
+          <a:p>
+            <a:endParaRPr lang="zh-CN" altLang="en-US" dirty="0"/>
+          </a:p>
+        </p:txBody>
+      </p:sp>
+      <p:sp>
+        <p:nvSpPr>
+          <p:cNvPr id="4" name="灯片编号占位符 3"/>
+          <p:cNvSpPr>
+            <a:spLocks noGrp="1"/>
+          </p:cNvSpPr>
+          <p:nvPr>
+            <p:ph type="sldNum" sz="quarter" idx="5"/>
+          </p:nvPr>
+        </p:nvSpPr>
+        <p:spPr/>
+        <p:txBody>
+          <a:bodyPr/>
+          <a:lstStyle/>
+          <a:p>
+            <a:fld id="{1D35CB65-B3B6-4BCE-850B-F2A72F5967AA}" type="slidenum">
+              <a:rPr lang="zh-CN" altLang="en-US" smtClean="0"/>
+              <a:t>8</a:t>
+            </a:fld>
+            <a:endParaRPr lang="zh-CN" altLang="en-US"/>
+          </a:p>
+        </p:txBody>
+      </p:sp>
+    </p:spTree>
+    <p:extLst>
+      <p:ext uri="{BB962C8B-B14F-4D97-AF65-F5344CB8AC3E}">
+        <p14:creationId xmlns:p14="http://schemas.microsoft.com/office/powerpoint/2010/main" val="2743481763"/>
+      </p:ext>
+    </p:extLst>
+  </p:cSld>
+  <p:clrMapOvr>
+    <a:masterClrMapping/>
+  </p:clrMapOvr>
+</p:notes>
+</file>
+
+<file path=ppt/notesSlides/notesSlide9.xml><?xml version="1.0" encoding="utf-8"?>
+<p:notes xmlns:a="http://schemas.openxmlformats.org/drawingml/2006/main" xmlns:r="http://schemas.openxmlformats.org/officeDocument/2006/relationships" xmlns:p="http://schemas.openxmlformats.org/presentationml/2006/main">
+  <p:cSld>
+    <p:spTree>
+      <p:nvGrpSpPr>
+        <p:cNvPr id="1" name=""/>
+        <p:cNvGrpSpPr/>
+        <p:nvPr/>
+      </p:nvGrpSpPr>
+      <p:grpSpPr>
+        <a:xfrm>
+          <a:off x="0" y="0"/>
+          <a:ext cx="0" cy="0"/>
+          <a:chOff x="0" y="0"/>
+          <a:chExt cx="0" cy="0"/>
+        </a:xfrm>
+      </p:grpSpPr>
+      <p:sp>
+        <p:nvSpPr>
+          <p:cNvPr id="2" name="幻灯片图像占位符 1"/>
+          <p:cNvSpPr>
+            <a:spLocks noGrp="1" noRot="1" noChangeAspect="1"/>
+          </p:cNvSpPr>
+          <p:nvPr>
+            <p:ph type="sldImg"/>
+          </p:nvPr>
+        </p:nvSpPr>
+        <p:spPr/>
+      </p:sp>
+      <p:sp>
+        <p:nvSpPr>
+          <p:cNvPr id="3" name="备注占位符 2"/>
+          <p:cNvSpPr>
+            <a:spLocks noGrp="1"/>
+          </p:cNvSpPr>
+          <p:nvPr>
+            <p:ph type="body" idx="1"/>
+          </p:nvPr>
+        </p:nvSpPr>
+        <p:spPr/>
+        <p:txBody>
+          <a:bodyPr/>
+          <a:lstStyle/>
+          <a:p>
+            <a:endParaRPr lang="zh-CN" altLang="en-US" dirty="0"/>
+          </a:p>
+        </p:txBody>
+      </p:sp>
+      <p:sp>
+        <p:nvSpPr>
+          <p:cNvPr id="4" name="灯片编号占位符 3"/>
+          <p:cNvSpPr>
+            <a:spLocks noGrp="1"/>
+          </p:cNvSpPr>
+          <p:nvPr>
+            <p:ph type="sldNum" sz="quarter" idx="5"/>
+          </p:nvPr>
+        </p:nvSpPr>
+        <p:spPr/>
+        <p:txBody>
+          <a:bodyPr/>
+          <a:lstStyle/>
+          <a:p>
+            <a:fld id="{1D35CB65-B3B6-4BCE-850B-F2A72F5967AA}" type="slidenum">
+              <a:rPr lang="zh-CN" altLang="en-US" smtClean="0"/>
+              <a:t>9</a:t>
+            </a:fld>
+            <a:endParaRPr lang="zh-CN" altLang="en-US"/>
+          </a:p>
+        </p:txBody>
+      </p:sp>
+    </p:spTree>
+    <p:extLst>
+      <p:ext uri="{BB962C8B-B14F-4D97-AF65-F5344CB8AC3E}">
+        <p14:creationId xmlns:p14="http://schemas.microsoft.com/office/powerpoint/2010/main" val="1062116555"/>
       </p:ext>
     </p:extLst>
   </p:cSld>
@@ -1035,7 +2395,7 @@
           <a:p>
             <a:fld id="{E4B883AF-5AB8-4004-A50E-2382414747B7}" type="datetimeFigureOut">
               <a:rPr lang="zh-CN" altLang="en-US" smtClean="0"/>
-              <a:t>2021/5/15</a:t>
+              <a:t>2021/5/27</a:t>
             </a:fld>
             <a:endParaRPr lang="zh-CN" altLang="en-US"/>
           </a:p>
@@ -1233,7 +2593,7 @@
           <a:p>
             <a:fld id="{E4B883AF-5AB8-4004-A50E-2382414747B7}" type="datetimeFigureOut">
               <a:rPr lang="zh-CN" altLang="en-US" smtClean="0"/>
-              <a:t>2021/5/15</a:t>
+              <a:t>2021/5/27</a:t>
             </a:fld>
             <a:endParaRPr lang="zh-CN" altLang="en-US"/>
           </a:p>
@@ -1441,7 +2801,7 @@
           <a:p>
             <a:fld id="{E4B883AF-5AB8-4004-A50E-2382414747B7}" type="datetimeFigureOut">
               <a:rPr lang="zh-CN" altLang="en-US" smtClean="0"/>
-              <a:t>2021/5/15</a:t>
+              <a:t>2021/5/27</a:t>
             </a:fld>
             <a:endParaRPr lang="zh-CN" altLang="en-US"/>
           </a:p>
@@ -1639,7 +2999,7 @@
           <a:p>
             <a:fld id="{E4B883AF-5AB8-4004-A50E-2382414747B7}" type="datetimeFigureOut">
               <a:rPr lang="zh-CN" altLang="en-US" smtClean="0"/>
-              <a:t>2021/5/15</a:t>
+              <a:t>2021/5/27</a:t>
             </a:fld>
             <a:endParaRPr lang="zh-CN" altLang="en-US"/>
           </a:p>
@@ -1914,7 +3274,7 @@
           <a:p>
             <a:fld id="{E4B883AF-5AB8-4004-A50E-2382414747B7}" type="datetimeFigureOut">
               <a:rPr lang="zh-CN" altLang="en-US" smtClean="0"/>
-              <a:t>2021/5/15</a:t>
+              <a:t>2021/5/27</a:t>
             </a:fld>
             <a:endParaRPr lang="zh-CN" altLang="en-US"/>
           </a:p>
@@ -2179,7 +3539,7 @@
           <a:p>
             <a:fld id="{E4B883AF-5AB8-4004-A50E-2382414747B7}" type="datetimeFigureOut">
               <a:rPr lang="zh-CN" altLang="en-US" smtClean="0"/>
-              <a:t>2021/5/15</a:t>
+              <a:t>2021/5/27</a:t>
             </a:fld>
             <a:endParaRPr lang="zh-CN" altLang="en-US"/>
           </a:p>
@@ -2591,7 +3951,7 @@
           <a:p>
             <a:fld id="{E4B883AF-5AB8-4004-A50E-2382414747B7}" type="datetimeFigureOut">
               <a:rPr lang="zh-CN" altLang="en-US" smtClean="0"/>
-              <a:t>2021/5/15</a:t>
+              <a:t>2021/5/27</a:t>
             </a:fld>
             <a:endParaRPr lang="zh-CN" altLang="en-US"/>
           </a:p>
@@ -2732,7 +4092,7 @@
           <a:p>
             <a:fld id="{E4B883AF-5AB8-4004-A50E-2382414747B7}" type="datetimeFigureOut">
               <a:rPr lang="zh-CN" altLang="en-US" smtClean="0"/>
-              <a:t>2021/5/15</a:t>
+              <a:t>2021/5/27</a:t>
             </a:fld>
             <a:endParaRPr lang="zh-CN" altLang="en-US"/>
           </a:p>
@@ -2845,7 +4205,7 @@
           <a:p>
             <a:fld id="{E4B883AF-5AB8-4004-A50E-2382414747B7}" type="datetimeFigureOut">
               <a:rPr lang="zh-CN" altLang="en-US" smtClean="0"/>
-              <a:t>2021/5/15</a:t>
+              <a:t>2021/5/27</a:t>
             </a:fld>
             <a:endParaRPr lang="zh-CN" altLang="en-US"/>
           </a:p>
@@ -3156,7 +4516,7 @@
           <a:p>
             <a:fld id="{E4B883AF-5AB8-4004-A50E-2382414747B7}" type="datetimeFigureOut">
               <a:rPr lang="zh-CN" altLang="en-US" smtClean="0"/>
-              <a:t>2021/5/15</a:t>
+              <a:t>2021/5/27</a:t>
             </a:fld>
             <a:endParaRPr lang="zh-CN" altLang="en-US"/>
           </a:p>
@@ -3444,7 +4804,7 @@
           <a:p>
             <a:fld id="{E4B883AF-5AB8-4004-A50E-2382414747B7}" type="datetimeFigureOut">
               <a:rPr lang="zh-CN" altLang="en-US" smtClean="0"/>
-              <a:t>2021/5/15</a:t>
+              <a:t>2021/5/27</a:t>
             </a:fld>
             <a:endParaRPr lang="zh-CN" altLang="en-US"/>
           </a:p>
@@ -3685,7 +5045,7 @@
           <a:p>
             <a:fld id="{E4B883AF-5AB8-4004-A50E-2382414747B7}" type="datetimeFigureOut">
               <a:rPr lang="zh-CN" altLang="en-US" smtClean="0"/>
-              <a:t>2021/5/15</a:t>
+              <a:t>2021/5/27</a:t>
             </a:fld>
             <a:endParaRPr lang="zh-CN" altLang="en-US"/>
           </a:p>
@@ -4250,6 +5610,2043 @@
 </p:sld>
 </file>
 
+<file path=ppt/slides/slide10.xml><?xml version="1.0" encoding="utf-8"?>
+<p:sld xmlns:a="http://schemas.openxmlformats.org/drawingml/2006/main" xmlns:r="http://schemas.openxmlformats.org/officeDocument/2006/relationships" xmlns:p="http://schemas.openxmlformats.org/presentationml/2006/main">
+  <p:cSld>
+    <p:bg>
+      <p:bgPr>
+        <a:solidFill>
+          <a:srgbClr val="808080"/>
+        </a:solidFill>
+        <a:effectLst/>
+      </p:bgPr>
+    </p:bg>
+    <p:spTree>
+      <p:nvGrpSpPr>
+        <p:cNvPr id="1" name=""/>
+        <p:cNvGrpSpPr/>
+        <p:nvPr/>
+      </p:nvGrpSpPr>
+      <p:grpSpPr>
+        <a:xfrm>
+          <a:off x="0" y="0"/>
+          <a:ext cx="0" cy="0"/>
+          <a:chOff x="0" y="0"/>
+          <a:chExt cx="0" cy="0"/>
+        </a:xfrm>
+      </p:grpSpPr>
+      <p:sp>
+        <p:nvSpPr>
+          <p:cNvPr id="6" name="文本框 5">
+            <a:extLst>
+              <a:ext uri="{FF2B5EF4-FFF2-40B4-BE49-F238E27FC236}">
+                <a16:creationId xmlns:a16="http://schemas.microsoft.com/office/drawing/2014/main" id="{5F5A1657-FBA7-4130-935F-D0FFB40E0138}"/>
+              </a:ext>
+            </a:extLst>
+          </p:cNvPr>
+          <p:cNvSpPr txBox="1"/>
+          <p:nvPr/>
+        </p:nvSpPr>
+        <p:spPr>
+          <a:xfrm>
+            <a:off x="623740" y="971807"/>
+            <a:ext cx="10944520" cy="1077218"/>
+          </a:xfrm>
+          <a:prstGeom prst="rect">
+            <a:avLst/>
+          </a:prstGeom>
+          <a:noFill/>
+        </p:spPr>
+        <p:txBody>
+          <a:bodyPr wrap="square" rtlCol="0">
+            <a:spAutoFit/>
+          </a:bodyPr>
+          <a:lstStyle/>
+          <a:p>
+            <a:pPr algn="ctr"/>
+            <a:r>
+              <a:rPr lang="en-US" altLang="zh-CN" sz="3200" b="1" dirty="0"/>
+              <a:t>4.</a:t>
+            </a:r>
+            <a:r>
+              <a:rPr lang="zh-CN" altLang="en-US" sz="3200" b="1" dirty="0"/>
+              <a:t> 频繁和长时间使用移动社交网络刷朋友圈</a:t>
+            </a:r>
+            <a:br>
+              <a:rPr lang="en-US" altLang="zh-CN" sz="3200" b="1" dirty="0"/>
+            </a:br>
+            <a:r>
+              <a:rPr lang="zh-CN" altLang="en-US" sz="3200" b="1" dirty="0"/>
+              <a:t>和浏览信息，常使我眼睛干涩、视觉疲劳。</a:t>
+            </a:r>
+            <a:endParaRPr lang="en-US" altLang="zh-CN" sz="3200" b="1" dirty="0"/>
+          </a:p>
+        </p:txBody>
+      </p:sp>
+      <p:sp>
+        <p:nvSpPr>
+          <p:cNvPr id="2" name="文本框 1">
+            <a:extLst>
+              <a:ext uri="{FF2B5EF4-FFF2-40B4-BE49-F238E27FC236}">
+                <a16:creationId xmlns:a16="http://schemas.microsoft.com/office/drawing/2014/main" id="{5779F052-28A2-491A-BFDD-3D9C54D6A0F9}"/>
+              </a:ext>
+            </a:extLst>
+          </p:cNvPr>
+          <p:cNvSpPr txBox="1"/>
+          <p:nvPr/>
+        </p:nvSpPr>
+        <p:spPr>
+          <a:xfrm>
+            <a:off x="2310348" y="2500076"/>
+            <a:ext cx="7571304" cy="4031873"/>
+          </a:xfrm>
+          <a:prstGeom prst="rect">
+            <a:avLst/>
+          </a:prstGeom>
+          <a:noFill/>
+        </p:spPr>
+        <p:txBody>
+          <a:bodyPr wrap="none" rtlCol="0">
+            <a:spAutoFit/>
+          </a:bodyPr>
+          <a:lstStyle/>
+          <a:p>
+            <a:pPr algn="ctr"/>
+            <a:r>
+              <a:rPr lang="en-US" altLang="zh-CN" sz="3200" b="1" dirty="0"/>
+              <a:t>1-</a:t>
+            </a:r>
+            <a:r>
+              <a:rPr lang="zh-CN" altLang="en-US" sz="3200" b="1" dirty="0"/>
+              <a:t>完全不符合</a:t>
+            </a:r>
+            <a:endParaRPr lang="en-US" altLang="zh-CN" sz="3200" b="1" dirty="0"/>
+          </a:p>
+          <a:p>
+            <a:pPr algn="ctr"/>
+            <a:r>
+              <a:rPr lang="en-US" altLang="zh-CN" sz="3200" b="1" dirty="0"/>
+              <a:t>2-</a:t>
+            </a:r>
+            <a:r>
+              <a:rPr lang="zh-CN" altLang="en-US" sz="3200" b="1" dirty="0"/>
+              <a:t>不太符合</a:t>
+            </a:r>
+            <a:endParaRPr lang="en-US" altLang="zh-CN" sz="3200" b="1" dirty="0"/>
+          </a:p>
+          <a:p>
+            <a:pPr algn="ctr"/>
+            <a:r>
+              <a:rPr lang="en-US" altLang="zh-CN" sz="3200" b="1" dirty="0"/>
+              <a:t>3-</a:t>
+            </a:r>
+            <a:r>
+              <a:rPr lang="zh-CN" altLang="en-US" sz="3200" b="1" dirty="0"/>
+              <a:t>不清楚</a:t>
+            </a:r>
+            <a:endParaRPr lang="en-US" altLang="zh-CN" sz="3200" b="1" dirty="0"/>
+          </a:p>
+          <a:p>
+            <a:pPr algn="ctr"/>
+            <a:r>
+              <a:rPr lang="en-US" altLang="zh-CN" sz="3200" b="1" dirty="0"/>
+              <a:t>4-</a:t>
+            </a:r>
+            <a:r>
+              <a:rPr lang="zh-CN" altLang="en-US" sz="3200" b="1" dirty="0"/>
+              <a:t>比较符合</a:t>
+            </a:r>
+            <a:endParaRPr lang="en-US" altLang="zh-CN" sz="3200" b="1" dirty="0"/>
+          </a:p>
+          <a:p>
+            <a:pPr algn="ctr"/>
+            <a:r>
+              <a:rPr lang="en-US" altLang="zh-CN" sz="3200" b="1" dirty="0"/>
+              <a:t>5-</a:t>
+            </a:r>
+            <a:r>
+              <a:rPr lang="zh-CN" altLang="en-US" sz="3200" b="1" dirty="0"/>
+              <a:t>完全符合</a:t>
+            </a:r>
+            <a:endParaRPr lang="en-US" altLang="zh-CN" sz="3200" b="1" dirty="0"/>
+          </a:p>
+          <a:p>
+            <a:pPr algn="ctr"/>
+            <a:endParaRPr lang="en-US" altLang="zh-CN" sz="3200" b="1" dirty="0">
+              <a:solidFill>
+                <a:srgbClr val="FFFF00"/>
+              </a:solidFill>
+            </a:endParaRPr>
+          </a:p>
+          <a:p>
+            <a:pPr algn="ctr"/>
+            <a:r>
+              <a:rPr lang="zh-CN" altLang="en-US" sz="3200" b="1" dirty="0">
+                <a:solidFill>
+                  <a:srgbClr val="92D050"/>
+                </a:solidFill>
+              </a:rPr>
+              <a:t>请根据对应问题按下键盘相应数字键即可</a:t>
+            </a:r>
+            <a:endParaRPr lang="en-US" altLang="zh-CN" sz="3200" b="1" dirty="0">
+              <a:solidFill>
+                <a:srgbClr val="92D050"/>
+              </a:solidFill>
+            </a:endParaRPr>
+          </a:p>
+          <a:p>
+            <a:endParaRPr lang="zh-CN" altLang="en-US" sz="3200" dirty="0"/>
+          </a:p>
+        </p:txBody>
+      </p:sp>
+    </p:spTree>
+    <p:extLst>
+      <p:ext uri="{BB962C8B-B14F-4D97-AF65-F5344CB8AC3E}">
+        <p14:creationId xmlns:p14="http://schemas.microsoft.com/office/powerpoint/2010/main" val="4170443706"/>
+      </p:ext>
+    </p:extLst>
+  </p:cSld>
+  <p:clrMapOvr>
+    <a:masterClrMapping/>
+  </p:clrMapOvr>
+</p:sld>
+</file>
+
+<file path=ppt/slides/slide11.xml><?xml version="1.0" encoding="utf-8"?>
+<p:sld xmlns:a="http://schemas.openxmlformats.org/drawingml/2006/main" xmlns:r="http://schemas.openxmlformats.org/officeDocument/2006/relationships" xmlns:p="http://schemas.openxmlformats.org/presentationml/2006/main">
+  <p:cSld>
+    <p:bg>
+      <p:bgPr>
+        <a:solidFill>
+          <a:srgbClr val="808080"/>
+        </a:solidFill>
+        <a:effectLst/>
+      </p:bgPr>
+    </p:bg>
+    <p:spTree>
+      <p:nvGrpSpPr>
+        <p:cNvPr id="1" name=""/>
+        <p:cNvGrpSpPr/>
+        <p:nvPr/>
+      </p:nvGrpSpPr>
+      <p:grpSpPr>
+        <a:xfrm>
+          <a:off x="0" y="0"/>
+          <a:ext cx="0" cy="0"/>
+          <a:chOff x="0" y="0"/>
+          <a:chExt cx="0" cy="0"/>
+        </a:xfrm>
+      </p:grpSpPr>
+      <p:sp>
+        <p:nvSpPr>
+          <p:cNvPr id="6" name="文本框 5">
+            <a:extLst>
+              <a:ext uri="{FF2B5EF4-FFF2-40B4-BE49-F238E27FC236}">
+                <a16:creationId xmlns:a16="http://schemas.microsoft.com/office/drawing/2014/main" id="{5F5A1657-FBA7-4130-935F-D0FFB40E0138}"/>
+              </a:ext>
+            </a:extLst>
+          </p:cNvPr>
+          <p:cNvSpPr txBox="1"/>
+          <p:nvPr/>
+        </p:nvSpPr>
+        <p:spPr>
+          <a:xfrm>
+            <a:off x="623740" y="971807"/>
+            <a:ext cx="10944520" cy="1077218"/>
+          </a:xfrm>
+          <a:prstGeom prst="rect">
+            <a:avLst/>
+          </a:prstGeom>
+          <a:noFill/>
+        </p:spPr>
+        <p:txBody>
+          <a:bodyPr wrap="square" rtlCol="0">
+            <a:spAutoFit/>
+          </a:bodyPr>
+          <a:lstStyle/>
+          <a:p>
+            <a:pPr algn="ctr"/>
+            <a:r>
+              <a:rPr lang="en-US" altLang="zh-CN" sz="3200" b="1" dirty="0"/>
+              <a:t>5.</a:t>
+            </a:r>
+            <a:r>
+              <a:rPr lang="zh-CN" altLang="en-US" sz="3200" b="1" dirty="0"/>
+              <a:t>长时间使用手指滑手机屏幕，</a:t>
+            </a:r>
+            <a:br>
+              <a:rPr lang="en-US" altLang="zh-CN" sz="3200" b="1" dirty="0"/>
+            </a:br>
+            <a:r>
+              <a:rPr lang="zh-CN" altLang="en-US" sz="3200" b="1" dirty="0"/>
+              <a:t>常使我的手指肌肉酸痛。</a:t>
+            </a:r>
+            <a:endParaRPr lang="en-US" altLang="zh-CN" sz="3200" b="1" dirty="0"/>
+          </a:p>
+        </p:txBody>
+      </p:sp>
+      <p:sp>
+        <p:nvSpPr>
+          <p:cNvPr id="2" name="文本框 1">
+            <a:extLst>
+              <a:ext uri="{FF2B5EF4-FFF2-40B4-BE49-F238E27FC236}">
+                <a16:creationId xmlns:a16="http://schemas.microsoft.com/office/drawing/2014/main" id="{5779F052-28A2-491A-BFDD-3D9C54D6A0F9}"/>
+              </a:ext>
+            </a:extLst>
+          </p:cNvPr>
+          <p:cNvSpPr txBox="1"/>
+          <p:nvPr/>
+        </p:nvSpPr>
+        <p:spPr>
+          <a:xfrm>
+            <a:off x="2310348" y="2500076"/>
+            <a:ext cx="7571304" cy="4031873"/>
+          </a:xfrm>
+          <a:prstGeom prst="rect">
+            <a:avLst/>
+          </a:prstGeom>
+          <a:noFill/>
+        </p:spPr>
+        <p:txBody>
+          <a:bodyPr wrap="none" rtlCol="0">
+            <a:spAutoFit/>
+          </a:bodyPr>
+          <a:lstStyle/>
+          <a:p>
+            <a:pPr algn="ctr"/>
+            <a:r>
+              <a:rPr lang="en-US" altLang="zh-CN" sz="3200" b="1" dirty="0"/>
+              <a:t>1-</a:t>
+            </a:r>
+            <a:r>
+              <a:rPr lang="zh-CN" altLang="en-US" sz="3200" b="1" dirty="0"/>
+              <a:t>完全不符合</a:t>
+            </a:r>
+            <a:endParaRPr lang="en-US" altLang="zh-CN" sz="3200" b="1" dirty="0"/>
+          </a:p>
+          <a:p>
+            <a:pPr algn="ctr"/>
+            <a:r>
+              <a:rPr lang="en-US" altLang="zh-CN" sz="3200" b="1" dirty="0"/>
+              <a:t>2-</a:t>
+            </a:r>
+            <a:r>
+              <a:rPr lang="zh-CN" altLang="en-US" sz="3200" b="1" dirty="0"/>
+              <a:t>不太符合</a:t>
+            </a:r>
+            <a:endParaRPr lang="en-US" altLang="zh-CN" sz="3200" b="1" dirty="0"/>
+          </a:p>
+          <a:p>
+            <a:pPr algn="ctr"/>
+            <a:r>
+              <a:rPr lang="en-US" altLang="zh-CN" sz="3200" b="1" dirty="0"/>
+              <a:t>3-</a:t>
+            </a:r>
+            <a:r>
+              <a:rPr lang="zh-CN" altLang="en-US" sz="3200" b="1" dirty="0"/>
+              <a:t>不清楚</a:t>
+            </a:r>
+            <a:endParaRPr lang="en-US" altLang="zh-CN" sz="3200" b="1" dirty="0"/>
+          </a:p>
+          <a:p>
+            <a:pPr algn="ctr"/>
+            <a:r>
+              <a:rPr lang="en-US" altLang="zh-CN" sz="3200" b="1" dirty="0"/>
+              <a:t>4-</a:t>
+            </a:r>
+            <a:r>
+              <a:rPr lang="zh-CN" altLang="en-US" sz="3200" b="1" dirty="0"/>
+              <a:t>比较符合</a:t>
+            </a:r>
+            <a:endParaRPr lang="en-US" altLang="zh-CN" sz="3200" b="1" dirty="0"/>
+          </a:p>
+          <a:p>
+            <a:pPr algn="ctr"/>
+            <a:r>
+              <a:rPr lang="en-US" altLang="zh-CN" sz="3200" b="1" dirty="0"/>
+              <a:t>5-</a:t>
+            </a:r>
+            <a:r>
+              <a:rPr lang="zh-CN" altLang="en-US" sz="3200" b="1" dirty="0"/>
+              <a:t>完全符合</a:t>
+            </a:r>
+            <a:endParaRPr lang="en-US" altLang="zh-CN" sz="3200" b="1" dirty="0"/>
+          </a:p>
+          <a:p>
+            <a:pPr algn="ctr"/>
+            <a:endParaRPr lang="en-US" altLang="zh-CN" sz="3200" b="1" dirty="0">
+              <a:solidFill>
+                <a:srgbClr val="FFFF00"/>
+              </a:solidFill>
+            </a:endParaRPr>
+          </a:p>
+          <a:p>
+            <a:pPr algn="ctr"/>
+            <a:r>
+              <a:rPr lang="zh-CN" altLang="en-US" sz="3200" b="1" dirty="0">
+                <a:solidFill>
+                  <a:srgbClr val="92D050"/>
+                </a:solidFill>
+              </a:rPr>
+              <a:t>请根据对应问题按下键盘相应数字键即可</a:t>
+            </a:r>
+            <a:endParaRPr lang="en-US" altLang="zh-CN" sz="3200" b="1" dirty="0">
+              <a:solidFill>
+                <a:srgbClr val="92D050"/>
+              </a:solidFill>
+            </a:endParaRPr>
+          </a:p>
+          <a:p>
+            <a:endParaRPr lang="zh-CN" altLang="en-US" sz="3200" dirty="0"/>
+          </a:p>
+        </p:txBody>
+      </p:sp>
+    </p:spTree>
+    <p:extLst>
+      <p:ext uri="{BB962C8B-B14F-4D97-AF65-F5344CB8AC3E}">
+        <p14:creationId xmlns:p14="http://schemas.microsoft.com/office/powerpoint/2010/main" val="1388292886"/>
+      </p:ext>
+    </p:extLst>
+  </p:cSld>
+  <p:clrMapOvr>
+    <a:masterClrMapping/>
+  </p:clrMapOvr>
+</p:sld>
+</file>
+
+<file path=ppt/slides/slide12.xml><?xml version="1.0" encoding="utf-8"?>
+<p:sld xmlns:a="http://schemas.openxmlformats.org/drawingml/2006/main" xmlns:r="http://schemas.openxmlformats.org/officeDocument/2006/relationships" xmlns:p="http://schemas.openxmlformats.org/presentationml/2006/main">
+  <p:cSld>
+    <p:bg>
+      <p:bgPr>
+        <a:solidFill>
+          <a:srgbClr val="808080"/>
+        </a:solidFill>
+        <a:effectLst/>
+      </p:bgPr>
+    </p:bg>
+    <p:spTree>
+      <p:nvGrpSpPr>
+        <p:cNvPr id="1" name=""/>
+        <p:cNvGrpSpPr/>
+        <p:nvPr/>
+      </p:nvGrpSpPr>
+      <p:grpSpPr>
+        <a:xfrm>
+          <a:off x="0" y="0"/>
+          <a:ext cx="0" cy="0"/>
+          <a:chOff x="0" y="0"/>
+          <a:chExt cx="0" cy="0"/>
+        </a:xfrm>
+      </p:grpSpPr>
+      <p:sp>
+        <p:nvSpPr>
+          <p:cNvPr id="6" name="文本框 5">
+            <a:extLst>
+              <a:ext uri="{FF2B5EF4-FFF2-40B4-BE49-F238E27FC236}">
+                <a16:creationId xmlns:a16="http://schemas.microsoft.com/office/drawing/2014/main" id="{5F5A1657-FBA7-4130-935F-D0FFB40E0138}"/>
+              </a:ext>
+            </a:extLst>
+          </p:cNvPr>
+          <p:cNvSpPr txBox="1"/>
+          <p:nvPr/>
+        </p:nvSpPr>
+        <p:spPr>
+          <a:xfrm>
+            <a:off x="623740" y="971807"/>
+            <a:ext cx="10944520" cy="1077218"/>
+          </a:xfrm>
+          <a:prstGeom prst="rect">
+            <a:avLst/>
+          </a:prstGeom>
+          <a:noFill/>
+        </p:spPr>
+        <p:txBody>
+          <a:bodyPr wrap="square" rtlCol="0">
+            <a:spAutoFit/>
+          </a:bodyPr>
+          <a:lstStyle/>
+          <a:p>
+            <a:pPr algn="ctr"/>
+            <a:r>
+              <a:rPr lang="en-US" altLang="zh-CN" sz="3200" b="1" dirty="0"/>
+              <a:t>6.</a:t>
+            </a:r>
+            <a:r>
+              <a:rPr lang="zh-CN" altLang="en-US" sz="3200" b="1" dirty="0"/>
+              <a:t>频繁和长时间使用移动社交网络，</a:t>
+            </a:r>
+            <a:endParaRPr lang="en-US" altLang="zh-CN" sz="3200" b="1" dirty="0"/>
+          </a:p>
+          <a:p>
+            <a:pPr algn="ctr"/>
+            <a:r>
+              <a:rPr lang="zh-CN" altLang="en-US" sz="3200" b="1" dirty="0"/>
+              <a:t>常导致睡眠不足和睡眠质量差。</a:t>
+            </a:r>
+            <a:endParaRPr lang="en-US" altLang="zh-CN" sz="3200" b="1" dirty="0"/>
+          </a:p>
+        </p:txBody>
+      </p:sp>
+      <p:sp>
+        <p:nvSpPr>
+          <p:cNvPr id="2" name="文本框 1">
+            <a:extLst>
+              <a:ext uri="{FF2B5EF4-FFF2-40B4-BE49-F238E27FC236}">
+                <a16:creationId xmlns:a16="http://schemas.microsoft.com/office/drawing/2014/main" id="{5779F052-28A2-491A-BFDD-3D9C54D6A0F9}"/>
+              </a:ext>
+            </a:extLst>
+          </p:cNvPr>
+          <p:cNvSpPr txBox="1"/>
+          <p:nvPr/>
+        </p:nvSpPr>
+        <p:spPr>
+          <a:xfrm>
+            <a:off x="2310348" y="2500076"/>
+            <a:ext cx="7571304" cy="4031873"/>
+          </a:xfrm>
+          <a:prstGeom prst="rect">
+            <a:avLst/>
+          </a:prstGeom>
+          <a:noFill/>
+        </p:spPr>
+        <p:txBody>
+          <a:bodyPr wrap="none" rtlCol="0">
+            <a:spAutoFit/>
+          </a:bodyPr>
+          <a:lstStyle/>
+          <a:p>
+            <a:pPr algn="ctr"/>
+            <a:r>
+              <a:rPr lang="en-US" altLang="zh-CN" sz="3200" b="1" dirty="0"/>
+              <a:t>1-</a:t>
+            </a:r>
+            <a:r>
+              <a:rPr lang="zh-CN" altLang="en-US" sz="3200" b="1" dirty="0"/>
+              <a:t>完全不符合</a:t>
+            </a:r>
+            <a:endParaRPr lang="en-US" altLang="zh-CN" sz="3200" b="1" dirty="0"/>
+          </a:p>
+          <a:p>
+            <a:pPr algn="ctr"/>
+            <a:r>
+              <a:rPr lang="en-US" altLang="zh-CN" sz="3200" b="1" dirty="0"/>
+              <a:t>2-</a:t>
+            </a:r>
+            <a:r>
+              <a:rPr lang="zh-CN" altLang="en-US" sz="3200" b="1" dirty="0"/>
+              <a:t>不太符合</a:t>
+            </a:r>
+            <a:endParaRPr lang="en-US" altLang="zh-CN" sz="3200" b="1" dirty="0"/>
+          </a:p>
+          <a:p>
+            <a:pPr algn="ctr"/>
+            <a:r>
+              <a:rPr lang="en-US" altLang="zh-CN" sz="3200" b="1" dirty="0"/>
+              <a:t>3-</a:t>
+            </a:r>
+            <a:r>
+              <a:rPr lang="zh-CN" altLang="en-US" sz="3200" b="1" dirty="0"/>
+              <a:t>不清楚</a:t>
+            </a:r>
+            <a:endParaRPr lang="en-US" altLang="zh-CN" sz="3200" b="1" dirty="0"/>
+          </a:p>
+          <a:p>
+            <a:pPr algn="ctr"/>
+            <a:r>
+              <a:rPr lang="en-US" altLang="zh-CN" sz="3200" b="1" dirty="0"/>
+              <a:t>4-</a:t>
+            </a:r>
+            <a:r>
+              <a:rPr lang="zh-CN" altLang="en-US" sz="3200" b="1" dirty="0"/>
+              <a:t>比较符合</a:t>
+            </a:r>
+            <a:endParaRPr lang="en-US" altLang="zh-CN" sz="3200" b="1" dirty="0"/>
+          </a:p>
+          <a:p>
+            <a:pPr algn="ctr"/>
+            <a:r>
+              <a:rPr lang="en-US" altLang="zh-CN" sz="3200" b="1" dirty="0"/>
+              <a:t>5-</a:t>
+            </a:r>
+            <a:r>
+              <a:rPr lang="zh-CN" altLang="en-US" sz="3200" b="1" dirty="0"/>
+              <a:t>完全符合</a:t>
+            </a:r>
+            <a:endParaRPr lang="en-US" altLang="zh-CN" sz="3200" b="1" dirty="0"/>
+          </a:p>
+          <a:p>
+            <a:pPr algn="ctr"/>
+            <a:endParaRPr lang="en-US" altLang="zh-CN" sz="3200" b="1" dirty="0">
+              <a:solidFill>
+                <a:srgbClr val="FFFF00"/>
+              </a:solidFill>
+            </a:endParaRPr>
+          </a:p>
+          <a:p>
+            <a:pPr algn="ctr"/>
+            <a:r>
+              <a:rPr lang="zh-CN" altLang="en-US" sz="3200" b="1" dirty="0">
+                <a:solidFill>
+                  <a:srgbClr val="92D050"/>
+                </a:solidFill>
+              </a:rPr>
+              <a:t>请根据对应问题按下键盘相应数字键即可</a:t>
+            </a:r>
+            <a:endParaRPr lang="en-US" altLang="zh-CN" sz="3200" b="1" dirty="0">
+              <a:solidFill>
+                <a:srgbClr val="92D050"/>
+              </a:solidFill>
+            </a:endParaRPr>
+          </a:p>
+          <a:p>
+            <a:endParaRPr lang="zh-CN" altLang="en-US" sz="3200" dirty="0"/>
+          </a:p>
+        </p:txBody>
+      </p:sp>
+    </p:spTree>
+    <p:extLst>
+      <p:ext uri="{BB962C8B-B14F-4D97-AF65-F5344CB8AC3E}">
+        <p14:creationId xmlns:p14="http://schemas.microsoft.com/office/powerpoint/2010/main" val="3299596602"/>
+      </p:ext>
+    </p:extLst>
+  </p:cSld>
+  <p:clrMapOvr>
+    <a:masterClrMapping/>
+  </p:clrMapOvr>
+</p:sld>
+</file>
+
+<file path=ppt/slides/slide13.xml><?xml version="1.0" encoding="utf-8"?>
+<p:sld xmlns:a="http://schemas.openxmlformats.org/drawingml/2006/main" xmlns:r="http://schemas.openxmlformats.org/officeDocument/2006/relationships" xmlns:p="http://schemas.openxmlformats.org/presentationml/2006/main">
+  <p:cSld>
+    <p:bg>
+      <p:bgPr>
+        <a:solidFill>
+          <a:srgbClr val="808080"/>
+        </a:solidFill>
+        <a:effectLst/>
+      </p:bgPr>
+    </p:bg>
+    <p:spTree>
+      <p:nvGrpSpPr>
+        <p:cNvPr id="1" name=""/>
+        <p:cNvGrpSpPr/>
+        <p:nvPr/>
+      </p:nvGrpSpPr>
+      <p:grpSpPr>
+        <a:xfrm>
+          <a:off x="0" y="0"/>
+          <a:ext cx="0" cy="0"/>
+          <a:chOff x="0" y="0"/>
+          <a:chExt cx="0" cy="0"/>
+        </a:xfrm>
+      </p:grpSpPr>
+      <p:sp>
+        <p:nvSpPr>
+          <p:cNvPr id="6" name="文本框 5">
+            <a:extLst>
+              <a:ext uri="{FF2B5EF4-FFF2-40B4-BE49-F238E27FC236}">
+                <a16:creationId xmlns:a16="http://schemas.microsoft.com/office/drawing/2014/main" id="{5F5A1657-FBA7-4130-935F-D0FFB40E0138}"/>
+              </a:ext>
+            </a:extLst>
+          </p:cNvPr>
+          <p:cNvSpPr txBox="1"/>
+          <p:nvPr/>
+        </p:nvSpPr>
+        <p:spPr>
+          <a:xfrm>
+            <a:off x="623740" y="971807"/>
+            <a:ext cx="10944520" cy="1077218"/>
+          </a:xfrm>
+          <a:prstGeom prst="rect">
+            <a:avLst/>
+          </a:prstGeom>
+          <a:noFill/>
+        </p:spPr>
+        <p:txBody>
+          <a:bodyPr wrap="square" rtlCol="0">
+            <a:spAutoFit/>
+          </a:bodyPr>
+          <a:lstStyle/>
+          <a:p>
+            <a:pPr algn="ctr"/>
+            <a:r>
+              <a:rPr lang="en-US" altLang="zh-CN" sz="3200" b="1" dirty="0"/>
+              <a:t>7.</a:t>
+            </a:r>
+            <a:r>
+              <a:rPr lang="zh-CN" altLang="en-US" sz="3200" b="1" dirty="0"/>
+              <a:t> 当手机突然联不上网，无法查看</a:t>
+            </a:r>
+            <a:br>
+              <a:rPr lang="en-US" altLang="zh-CN" sz="3200" b="1" dirty="0"/>
+            </a:br>
+            <a:r>
+              <a:rPr lang="zh-CN" altLang="en-US" sz="3200" b="1" dirty="0"/>
+              <a:t>社交 </a:t>
+            </a:r>
+            <a:r>
+              <a:rPr lang="en-US" altLang="zh-CN" sz="3200" b="1" dirty="0"/>
+              <a:t>APP </a:t>
+            </a:r>
+            <a:r>
+              <a:rPr lang="zh-CN" altLang="en-US" sz="3200" b="1" dirty="0"/>
+              <a:t>时，常会感到担心和焦虑。</a:t>
+            </a:r>
+            <a:endParaRPr lang="en-US" altLang="zh-CN" sz="3200" b="1" dirty="0"/>
+          </a:p>
+        </p:txBody>
+      </p:sp>
+      <p:sp>
+        <p:nvSpPr>
+          <p:cNvPr id="2" name="文本框 1">
+            <a:extLst>
+              <a:ext uri="{FF2B5EF4-FFF2-40B4-BE49-F238E27FC236}">
+                <a16:creationId xmlns:a16="http://schemas.microsoft.com/office/drawing/2014/main" id="{5779F052-28A2-491A-BFDD-3D9C54D6A0F9}"/>
+              </a:ext>
+            </a:extLst>
+          </p:cNvPr>
+          <p:cNvSpPr txBox="1"/>
+          <p:nvPr/>
+        </p:nvSpPr>
+        <p:spPr>
+          <a:xfrm>
+            <a:off x="2310348" y="2500076"/>
+            <a:ext cx="7571304" cy="4031873"/>
+          </a:xfrm>
+          <a:prstGeom prst="rect">
+            <a:avLst/>
+          </a:prstGeom>
+          <a:noFill/>
+        </p:spPr>
+        <p:txBody>
+          <a:bodyPr wrap="none" rtlCol="0">
+            <a:spAutoFit/>
+          </a:bodyPr>
+          <a:lstStyle/>
+          <a:p>
+            <a:pPr algn="ctr"/>
+            <a:r>
+              <a:rPr lang="en-US" altLang="zh-CN" sz="3200" b="1" dirty="0"/>
+              <a:t>1-</a:t>
+            </a:r>
+            <a:r>
+              <a:rPr lang="zh-CN" altLang="en-US" sz="3200" b="1" dirty="0"/>
+              <a:t>完全不符合</a:t>
+            </a:r>
+            <a:endParaRPr lang="en-US" altLang="zh-CN" sz="3200" b="1" dirty="0"/>
+          </a:p>
+          <a:p>
+            <a:pPr algn="ctr"/>
+            <a:r>
+              <a:rPr lang="en-US" altLang="zh-CN" sz="3200" b="1" dirty="0"/>
+              <a:t>2-</a:t>
+            </a:r>
+            <a:r>
+              <a:rPr lang="zh-CN" altLang="en-US" sz="3200" b="1" dirty="0"/>
+              <a:t>不太符合</a:t>
+            </a:r>
+            <a:endParaRPr lang="en-US" altLang="zh-CN" sz="3200" b="1" dirty="0"/>
+          </a:p>
+          <a:p>
+            <a:pPr algn="ctr"/>
+            <a:r>
+              <a:rPr lang="en-US" altLang="zh-CN" sz="3200" b="1" dirty="0"/>
+              <a:t>3-</a:t>
+            </a:r>
+            <a:r>
+              <a:rPr lang="zh-CN" altLang="en-US" sz="3200" b="1" dirty="0"/>
+              <a:t>不清楚</a:t>
+            </a:r>
+            <a:endParaRPr lang="en-US" altLang="zh-CN" sz="3200" b="1" dirty="0"/>
+          </a:p>
+          <a:p>
+            <a:pPr algn="ctr"/>
+            <a:r>
+              <a:rPr lang="en-US" altLang="zh-CN" sz="3200" b="1" dirty="0"/>
+              <a:t>4-</a:t>
+            </a:r>
+            <a:r>
+              <a:rPr lang="zh-CN" altLang="en-US" sz="3200" b="1" dirty="0"/>
+              <a:t>比较符合</a:t>
+            </a:r>
+            <a:endParaRPr lang="en-US" altLang="zh-CN" sz="3200" b="1" dirty="0"/>
+          </a:p>
+          <a:p>
+            <a:pPr algn="ctr"/>
+            <a:r>
+              <a:rPr lang="en-US" altLang="zh-CN" sz="3200" b="1" dirty="0"/>
+              <a:t>5-</a:t>
+            </a:r>
+            <a:r>
+              <a:rPr lang="zh-CN" altLang="en-US" sz="3200" b="1" dirty="0"/>
+              <a:t>完全符合</a:t>
+            </a:r>
+            <a:endParaRPr lang="en-US" altLang="zh-CN" sz="3200" b="1" dirty="0"/>
+          </a:p>
+          <a:p>
+            <a:pPr algn="ctr"/>
+            <a:endParaRPr lang="en-US" altLang="zh-CN" sz="3200" b="1" dirty="0">
+              <a:solidFill>
+                <a:srgbClr val="FFFF00"/>
+              </a:solidFill>
+            </a:endParaRPr>
+          </a:p>
+          <a:p>
+            <a:pPr algn="ctr"/>
+            <a:r>
+              <a:rPr lang="zh-CN" altLang="en-US" sz="3200" b="1" dirty="0">
+                <a:solidFill>
+                  <a:srgbClr val="92D050"/>
+                </a:solidFill>
+              </a:rPr>
+              <a:t>请根据对应问题按下键盘相应数字键即可</a:t>
+            </a:r>
+            <a:endParaRPr lang="en-US" altLang="zh-CN" sz="3200" b="1" dirty="0">
+              <a:solidFill>
+                <a:srgbClr val="92D050"/>
+              </a:solidFill>
+            </a:endParaRPr>
+          </a:p>
+          <a:p>
+            <a:endParaRPr lang="zh-CN" altLang="en-US" sz="3200" dirty="0"/>
+          </a:p>
+        </p:txBody>
+      </p:sp>
+    </p:spTree>
+    <p:extLst>
+      <p:ext uri="{BB962C8B-B14F-4D97-AF65-F5344CB8AC3E}">
+        <p14:creationId xmlns:p14="http://schemas.microsoft.com/office/powerpoint/2010/main" val="1271278249"/>
+      </p:ext>
+    </p:extLst>
+  </p:cSld>
+  <p:clrMapOvr>
+    <a:masterClrMapping/>
+  </p:clrMapOvr>
+</p:sld>
+</file>
+
+<file path=ppt/slides/slide14.xml><?xml version="1.0" encoding="utf-8"?>
+<p:sld xmlns:a="http://schemas.openxmlformats.org/drawingml/2006/main" xmlns:r="http://schemas.openxmlformats.org/officeDocument/2006/relationships" xmlns:p="http://schemas.openxmlformats.org/presentationml/2006/main">
+  <p:cSld>
+    <p:bg>
+      <p:bgPr>
+        <a:solidFill>
+          <a:srgbClr val="808080"/>
+        </a:solidFill>
+        <a:effectLst/>
+      </p:bgPr>
+    </p:bg>
+    <p:spTree>
+      <p:nvGrpSpPr>
+        <p:cNvPr id="1" name=""/>
+        <p:cNvGrpSpPr/>
+        <p:nvPr/>
+      </p:nvGrpSpPr>
+      <p:grpSpPr>
+        <a:xfrm>
+          <a:off x="0" y="0"/>
+          <a:ext cx="0" cy="0"/>
+          <a:chOff x="0" y="0"/>
+          <a:chExt cx="0" cy="0"/>
+        </a:xfrm>
+      </p:grpSpPr>
+      <p:sp>
+        <p:nvSpPr>
+          <p:cNvPr id="6" name="文本框 5">
+            <a:extLst>
+              <a:ext uri="{FF2B5EF4-FFF2-40B4-BE49-F238E27FC236}">
+                <a16:creationId xmlns:a16="http://schemas.microsoft.com/office/drawing/2014/main" id="{5F5A1657-FBA7-4130-935F-D0FFB40E0138}"/>
+              </a:ext>
+            </a:extLst>
+          </p:cNvPr>
+          <p:cNvSpPr txBox="1"/>
+          <p:nvPr/>
+        </p:nvSpPr>
+        <p:spPr>
+          <a:xfrm>
+            <a:off x="623740" y="971807"/>
+            <a:ext cx="10944520" cy="1077218"/>
+          </a:xfrm>
+          <a:prstGeom prst="rect">
+            <a:avLst/>
+          </a:prstGeom>
+          <a:noFill/>
+        </p:spPr>
+        <p:txBody>
+          <a:bodyPr wrap="square" rtlCol="0">
+            <a:spAutoFit/>
+          </a:bodyPr>
+          <a:lstStyle/>
+          <a:p>
+            <a:pPr algn="ctr"/>
+            <a:r>
+              <a:rPr lang="en-US" altLang="zh-CN" sz="3200" b="1" dirty="0"/>
+              <a:t>8.</a:t>
+            </a:r>
+            <a:r>
+              <a:rPr lang="zh-CN" altLang="en-US" sz="3200" b="1" dirty="0"/>
+              <a:t> 如果一会儿没有在手机上查看微信、微博等，</a:t>
+            </a:r>
+            <a:br>
+              <a:rPr lang="en-US" altLang="zh-CN" sz="3200" b="1" dirty="0"/>
+            </a:br>
+            <a:r>
+              <a:rPr lang="zh-CN" altLang="en-US" sz="3200" b="1" dirty="0"/>
+              <a:t>总担心会遗漏或错过什么信息。</a:t>
+            </a:r>
+            <a:endParaRPr lang="en-US" altLang="zh-CN" sz="3200" b="1" dirty="0"/>
+          </a:p>
+        </p:txBody>
+      </p:sp>
+      <p:sp>
+        <p:nvSpPr>
+          <p:cNvPr id="2" name="文本框 1">
+            <a:extLst>
+              <a:ext uri="{FF2B5EF4-FFF2-40B4-BE49-F238E27FC236}">
+                <a16:creationId xmlns:a16="http://schemas.microsoft.com/office/drawing/2014/main" id="{5779F052-28A2-491A-BFDD-3D9C54D6A0F9}"/>
+              </a:ext>
+            </a:extLst>
+          </p:cNvPr>
+          <p:cNvSpPr txBox="1"/>
+          <p:nvPr/>
+        </p:nvSpPr>
+        <p:spPr>
+          <a:xfrm>
+            <a:off x="2310348" y="2500076"/>
+            <a:ext cx="7571304" cy="4031873"/>
+          </a:xfrm>
+          <a:prstGeom prst="rect">
+            <a:avLst/>
+          </a:prstGeom>
+          <a:noFill/>
+        </p:spPr>
+        <p:txBody>
+          <a:bodyPr wrap="none" rtlCol="0">
+            <a:spAutoFit/>
+          </a:bodyPr>
+          <a:lstStyle/>
+          <a:p>
+            <a:pPr algn="ctr"/>
+            <a:r>
+              <a:rPr lang="en-US" altLang="zh-CN" sz="3200" b="1" dirty="0"/>
+              <a:t>1-</a:t>
+            </a:r>
+            <a:r>
+              <a:rPr lang="zh-CN" altLang="en-US" sz="3200" b="1" dirty="0"/>
+              <a:t>完全不符合</a:t>
+            </a:r>
+            <a:endParaRPr lang="en-US" altLang="zh-CN" sz="3200" b="1" dirty="0"/>
+          </a:p>
+          <a:p>
+            <a:pPr algn="ctr"/>
+            <a:r>
+              <a:rPr lang="en-US" altLang="zh-CN" sz="3200" b="1" dirty="0"/>
+              <a:t>2-</a:t>
+            </a:r>
+            <a:r>
+              <a:rPr lang="zh-CN" altLang="en-US" sz="3200" b="1" dirty="0"/>
+              <a:t>不太符合</a:t>
+            </a:r>
+            <a:endParaRPr lang="en-US" altLang="zh-CN" sz="3200" b="1" dirty="0"/>
+          </a:p>
+          <a:p>
+            <a:pPr algn="ctr"/>
+            <a:r>
+              <a:rPr lang="en-US" altLang="zh-CN" sz="3200" b="1" dirty="0"/>
+              <a:t>3-</a:t>
+            </a:r>
+            <a:r>
+              <a:rPr lang="zh-CN" altLang="en-US" sz="3200" b="1" dirty="0"/>
+              <a:t>不清楚</a:t>
+            </a:r>
+            <a:endParaRPr lang="en-US" altLang="zh-CN" sz="3200" b="1" dirty="0"/>
+          </a:p>
+          <a:p>
+            <a:pPr algn="ctr"/>
+            <a:r>
+              <a:rPr lang="en-US" altLang="zh-CN" sz="3200" b="1" dirty="0"/>
+              <a:t>4-</a:t>
+            </a:r>
+            <a:r>
+              <a:rPr lang="zh-CN" altLang="en-US" sz="3200" b="1" dirty="0"/>
+              <a:t>比较符合</a:t>
+            </a:r>
+            <a:endParaRPr lang="en-US" altLang="zh-CN" sz="3200" b="1" dirty="0"/>
+          </a:p>
+          <a:p>
+            <a:pPr algn="ctr"/>
+            <a:r>
+              <a:rPr lang="en-US" altLang="zh-CN" sz="3200" b="1" dirty="0"/>
+              <a:t>5-</a:t>
+            </a:r>
+            <a:r>
+              <a:rPr lang="zh-CN" altLang="en-US" sz="3200" b="1" dirty="0"/>
+              <a:t>完全符合</a:t>
+            </a:r>
+            <a:endParaRPr lang="en-US" altLang="zh-CN" sz="3200" b="1" dirty="0"/>
+          </a:p>
+          <a:p>
+            <a:pPr algn="ctr"/>
+            <a:endParaRPr lang="en-US" altLang="zh-CN" sz="3200" b="1" dirty="0">
+              <a:solidFill>
+                <a:srgbClr val="FFFF00"/>
+              </a:solidFill>
+            </a:endParaRPr>
+          </a:p>
+          <a:p>
+            <a:pPr algn="ctr"/>
+            <a:r>
+              <a:rPr lang="zh-CN" altLang="en-US" sz="3200" b="1" dirty="0">
+                <a:solidFill>
+                  <a:srgbClr val="92D050"/>
+                </a:solidFill>
+              </a:rPr>
+              <a:t>请根据对应问题按下键盘相应数字键即可</a:t>
+            </a:r>
+            <a:endParaRPr lang="en-US" altLang="zh-CN" sz="3200" b="1" dirty="0">
+              <a:solidFill>
+                <a:srgbClr val="92D050"/>
+              </a:solidFill>
+            </a:endParaRPr>
+          </a:p>
+          <a:p>
+            <a:endParaRPr lang="zh-CN" altLang="en-US" sz="3200" dirty="0"/>
+          </a:p>
+        </p:txBody>
+      </p:sp>
+    </p:spTree>
+    <p:extLst>
+      <p:ext uri="{BB962C8B-B14F-4D97-AF65-F5344CB8AC3E}">
+        <p14:creationId xmlns:p14="http://schemas.microsoft.com/office/powerpoint/2010/main" val="1228988091"/>
+      </p:ext>
+    </p:extLst>
+  </p:cSld>
+  <p:clrMapOvr>
+    <a:masterClrMapping/>
+  </p:clrMapOvr>
+</p:sld>
+</file>
+
+<file path=ppt/slides/slide15.xml><?xml version="1.0" encoding="utf-8"?>
+<p:sld xmlns:a="http://schemas.openxmlformats.org/drawingml/2006/main" xmlns:r="http://schemas.openxmlformats.org/officeDocument/2006/relationships" xmlns:p="http://schemas.openxmlformats.org/presentationml/2006/main">
+  <p:cSld>
+    <p:bg>
+      <p:bgPr>
+        <a:solidFill>
+          <a:srgbClr val="808080"/>
+        </a:solidFill>
+        <a:effectLst/>
+      </p:bgPr>
+    </p:bg>
+    <p:spTree>
+      <p:nvGrpSpPr>
+        <p:cNvPr id="1" name=""/>
+        <p:cNvGrpSpPr/>
+        <p:nvPr/>
+      </p:nvGrpSpPr>
+      <p:grpSpPr>
+        <a:xfrm>
+          <a:off x="0" y="0"/>
+          <a:ext cx="0" cy="0"/>
+          <a:chOff x="0" y="0"/>
+          <a:chExt cx="0" cy="0"/>
+        </a:xfrm>
+      </p:grpSpPr>
+      <p:sp>
+        <p:nvSpPr>
+          <p:cNvPr id="6" name="文本框 5">
+            <a:extLst>
+              <a:ext uri="{FF2B5EF4-FFF2-40B4-BE49-F238E27FC236}">
+                <a16:creationId xmlns:a16="http://schemas.microsoft.com/office/drawing/2014/main" id="{5F5A1657-FBA7-4130-935F-D0FFB40E0138}"/>
+              </a:ext>
+            </a:extLst>
+          </p:cNvPr>
+          <p:cNvSpPr txBox="1"/>
+          <p:nvPr/>
+        </p:nvSpPr>
+        <p:spPr>
+          <a:xfrm>
+            <a:off x="623740" y="971807"/>
+            <a:ext cx="10944520" cy="1077218"/>
+          </a:xfrm>
+          <a:prstGeom prst="rect">
+            <a:avLst/>
+          </a:prstGeom>
+          <a:noFill/>
+        </p:spPr>
+        <p:txBody>
+          <a:bodyPr wrap="square" rtlCol="0">
+            <a:spAutoFit/>
+          </a:bodyPr>
+          <a:lstStyle/>
+          <a:p>
+            <a:pPr algn="ctr"/>
+            <a:r>
+              <a:rPr lang="en-US" altLang="zh-CN" sz="3200" b="1" dirty="0"/>
+              <a:t>9.</a:t>
+            </a:r>
+            <a:r>
+              <a:rPr lang="zh-CN" altLang="en-US" sz="3200" b="1" dirty="0"/>
+              <a:t>我只要打开手机社交 </a:t>
+            </a:r>
+            <a:r>
+              <a:rPr lang="en-US" altLang="zh-CN" sz="3200" b="1" dirty="0"/>
+              <a:t>APP </a:t>
+            </a:r>
+            <a:r>
+              <a:rPr lang="zh-CN" altLang="en-US" sz="3200" b="1" dirty="0"/>
+              <a:t>就不愿意退出来，</a:t>
+            </a:r>
+            <a:br>
+              <a:rPr lang="en-US" altLang="zh-CN" sz="3200" b="1" dirty="0"/>
+            </a:br>
+            <a:r>
+              <a:rPr lang="zh-CN" altLang="en-US" sz="3200" b="1" dirty="0"/>
+              <a:t>总想再看一会才会满足</a:t>
+            </a:r>
+            <a:endParaRPr lang="en-US" altLang="zh-CN" sz="3200" b="1" dirty="0"/>
+          </a:p>
+        </p:txBody>
+      </p:sp>
+      <p:sp>
+        <p:nvSpPr>
+          <p:cNvPr id="2" name="文本框 1">
+            <a:extLst>
+              <a:ext uri="{FF2B5EF4-FFF2-40B4-BE49-F238E27FC236}">
+                <a16:creationId xmlns:a16="http://schemas.microsoft.com/office/drawing/2014/main" id="{5779F052-28A2-491A-BFDD-3D9C54D6A0F9}"/>
+              </a:ext>
+            </a:extLst>
+          </p:cNvPr>
+          <p:cNvSpPr txBox="1"/>
+          <p:nvPr/>
+        </p:nvSpPr>
+        <p:spPr>
+          <a:xfrm>
+            <a:off x="2310348" y="2500076"/>
+            <a:ext cx="7571304" cy="4031873"/>
+          </a:xfrm>
+          <a:prstGeom prst="rect">
+            <a:avLst/>
+          </a:prstGeom>
+          <a:noFill/>
+        </p:spPr>
+        <p:txBody>
+          <a:bodyPr wrap="none" rtlCol="0">
+            <a:spAutoFit/>
+          </a:bodyPr>
+          <a:lstStyle/>
+          <a:p>
+            <a:pPr algn="ctr"/>
+            <a:r>
+              <a:rPr lang="en-US" altLang="zh-CN" sz="3200" b="1" dirty="0"/>
+              <a:t>1-</a:t>
+            </a:r>
+            <a:r>
+              <a:rPr lang="zh-CN" altLang="en-US" sz="3200" b="1" dirty="0"/>
+              <a:t>完全不符合</a:t>
+            </a:r>
+            <a:endParaRPr lang="en-US" altLang="zh-CN" sz="3200" b="1" dirty="0"/>
+          </a:p>
+          <a:p>
+            <a:pPr algn="ctr"/>
+            <a:r>
+              <a:rPr lang="en-US" altLang="zh-CN" sz="3200" b="1" dirty="0"/>
+              <a:t>2-</a:t>
+            </a:r>
+            <a:r>
+              <a:rPr lang="zh-CN" altLang="en-US" sz="3200" b="1" dirty="0"/>
+              <a:t>不太符合</a:t>
+            </a:r>
+            <a:endParaRPr lang="en-US" altLang="zh-CN" sz="3200" b="1" dirty="0"/>
+          </a:p>
+          <a:p>
+            <a:pPr algn="ctr"/>
+            <a:r>
+              <a:rPr lang="en-US" altLang="zh-CN" sz="3200" b="1" dirty="0"/>
+              <a:t>3-</a:t>
+            </a:r>
+            <a:r>
+              <a:rPr lang="zh-CN" altLang="en-US" sz="3200" b="1" dirty="0"/>
+              <a:t>不清楚</a:t>
+            </a:r>
+            <a:endParaRPr lang="en-US" altLang="zh-CN" sz="3200" b="1" dirty="0"/>
+          </a:p>
+          <a:p>
+            <a:pPr algn="ctr"/>
+            <a:r>
+              <a:rPr lang="en-US" altLang="zh-CN" sz="3200" b="1" dirty="0"/>
+              <a:t>4-</a:t>
+            </a:r>
+            <a:r>
+              <a:rPr lang="zh-CN" altLang="en-US" sz="3200" b="1" dirty="0"/>
+              <a:t>比较符合</a:t>
+            </a:r>
+            <a:endParaRPr lang="en-US" altLang="zh-CN" sz="3200" b="1" dirty="0"/>
+          </a:p>
+          <a:p>
+            <a:pPr algn="ctr"/>
+            <a:r>
+              <a:rPr lang="en-US" altLang="zh-CN" sz="3200" b="1" dirty="0"/>
+              <a:t>5-</a:t>
+            </a:r>
+            <a:r>
+              <a:rPr lang="zh-CN" altLang="en-US" sz="3200" b="1" dirty="0"/>
+              <a:t>完全符合</a:t>
+            </a:r>
+            <a:endParaRPr lang="en-US" altLang="zh-CN" sz="3200" b="1" dirty="0"/>
+          </a:p>
+          <a:p>
+            <a:pPr algn="ctr"/>
+            <a:endParaRPr lang="en-US" altLang="zh-CN" sz="3200" b="1" dirty="0">
+              <a:solidFill>
+                <a:srgbClr val="FFFF00"/>
+              </a:solidFill>
+            </a:endParaRPr>
+          </a:p>
+          <a:p>
+            <a:pPr algn="ctr"/>
+            <a:r>
+              <a:rPr lang="zh-CN" altLang="en-US" sz="3200" b="1" dirty="0">
+                <a:solidFill>
+                  <a:srgbClr val="92D050"/>
+                </a:solidFill>
+              </a:rPr>
+              <a:t>请根据对应问题按下键盘相应数字键即可</a:t>
+            </a:r>
+            <a:endParaRPr lang="en-US" altLang="zh-CN" sz="3200" b="1" dirty="0">
+              <a:solidFill>
+                <a:srgbClr val="92D050"/>
+              </a:solidFill>
+            </a:endParaRPr>
+          </a:p>
+          <a:p>
+            <a:endParaRPr lang="zh-CN" altLang="en-US" sz="3200" dirty="0"/>
+          </a:p>
+        </p:txBody>
+      </p:sp>
+    </p:spTree>
+    <p:extLst>
+      <p:ext uri="{BB962C8B-B14F-4D97-AF65-F5344CB8AC3E}">
+        <p14:creationId xmlns:p14="http://schemas.microsoft.com/office/powerpoint/2010/main" val="3804517249"/>
+      </p:ext>
+    </p:extLst>
+  </p:cSld>
+  <p:clrMapOvr>
+    <a:masterClrMapping/>
+  </p:clrMapOvr>
+</p:sld>
+</file>
+
+<file path=ppt/slides/slide16.xml><?xml version="1.0" encoding="utf-8"?>
+<p:sld xmlns:a="http://schemas.openxmlformats.org/drawingml/2006/main" xmlns:r="http://schemas.openxmlformats.org/officeDocument/2006/relationships" xmlns:p="http://schemas.openxmlformats.org/presentationml/2006/main">
+  <p:cSld>
+    <p:bg>
+      <p:bgPr>
+        <a:solidFill>
+          <a:srgbClr val="808080"/>
+        </a:solidFill>
+        <a:effectLst/>
+      </p:bgPr>
+    </p:bg>
+    <p:spTree>
+      <p:nvGrpSpPr>
+        <p:cNvPr id="1" name=""/>
+        <p:cNvGrpSpPr/>
+        <p:nvPr/>
+      </p:nvGrpSpPr>
+      <p:grpSpPr>
+        <a:xfrm>
+          <a:off x="0" y="0"/>
+          <a:ext cx="0" cy="0"/>
+          <a:chOff x="0" y="0"/>
+          <a:chExt cx="0" cy="0"/>
+        </a:xfrm>
+      </p:grpSpPr>
+      <p:sp>
+        <p:nvSpPr>
+          <p:cNvPr id="6" name="文本框 5">
+            <a:extLst>
+              <a:ext uri="{FF2B5EF4-FFF2-40B4-BE49-F238E27FC236}">
+                <a16:creationId xmlns:a16="http://schemas.microsoft.com/office/drawing/2014/main" id="{5F5A1657-FBA7-4130-935F-D0FFB40E0138}"/>
+              </a:ext>
+            </a:extLst>
+          </p:cNvPr>
+          <p:cNvSpPr txBox="1"/>
+          <p:nvPr/>
+        </p:nvSpPr>
+        <p:spPr>
+          <a:xfrm>
+            <a:off x="623740" y="971807"/>
+            <a:ext cx="10944520" cy="1077218"/>
+          </a:xfrm>
+          <a:prstGeom prst="rect">
+            <a:avLst/>
+          </a:prstGeom>
+          <a:noFill/>
+        </p:spPr>
+        <p:txBody>
+          <a:bodyPr wrap="square" rtlCol="0">
+            <a:spAutoFit/>
+          </a:bodyPr>
+          <a:lstStyle/>
+          <a:p>
+            <a:pPr algn="ctr"/>
+            <a:r>
+              <a:rPr lang="en-US" altLang="zh-CN" sz="3200" b="1" dirty="0"/>
+              <a:t>10.</a:t>
+            </a:r>
+            <a:r>
+              <a:rPr lang="zh-CN" altLang="en-US" sz="3200" b="1" dirty="0"/>
+              <a:t> 我总是想要控制使用手机移动社交网络刷屏的</a:t>
+            </a:r>
+            <a:br>
+              <a:rPr lang="en-US" altLang="zh-CN" sz="3200" b="1" dirty="0"/>
+            </a:br>
+            <a:r>
+              <a:rPr lang="zh-CN" altLang="en-US" sz="3200" b="1" dirty="0"/>
+              <a:t>时间、频率和强度，但却总是没什么效果</a:t>
+            </a:r>
+            <a:endParaRPr lang="en-US" altLang="zh-CN" sz="3200" b="1" dirty="0"/>
+          </a:p>
+        </p:txBody>
+      </p:sp>
+      <p:sp>
+        <p:nvSpPr>
+          <p:cNvPr id="2" name="文本框 1">
+            <a:extLst>
+              <a:ext uri="{FF2B5EF4-FFF2-40B4-BE49-F238E27FC236}">
+                <a16:creationId xmlns:a16="http://schemas.microsoft.com/office/drawing/2014/main" id="{5779F052-28A2-491A-BFDD-3D9C54D6A0F9}"/>
+              </a:ext>
+            </a:extLst>
+          </p:cNvPr>
+          <p:cNvSpPr txBox="1"/>
+          <p:nvPr/>
+        </p:nvSpPr>
+        <p:spPr>
+          <a:xfrm>
+            <a:off x="2310348" y="2500076"/>
+            <a:ext cx="7571304" cy="4031873"/>
+          </a:xfrm>
+          <a:prstGeom prst="rect">
+            <a:avLst/>
+          </a:prstGeom>
+          <a:noFill/>
+        </p:spPr>
+        <p:txBody>
+          <a:bodyPr wrap="none" rtlCol="0">
+            <a:spAutoFit/>
+          </a:bodyPr>
+          <a:lstStyle/>
+          <a:p>
+            <a:pPr algn="ctr"/>
+            <a:r>
+              <a:rPr lang="en-US" altLang="zh-CN" sz="3200" b="1" dirty="0"/>
+              <a:t>1-</a:t>
+            </a:r>
+            <a:r>
+              <a:rPr lang="zh-CN" altLang="en-US" sz="3200" b="1" dirty="0"/>
+              <a:t>完全不符合</a:t>
+            </a:r>
+            <a:endParaRPr lang="en-US" altLang="zh-CN" sz="3200" b="1" dirty="0"/>
+          </a:p>
+          <a:p>
+            <a:pPr algn="ctr"/>
+            <a:r>
+              <a:rPr lang="en-US" altLang="zh-CN" sz="3200" b="1" dirty="0"/>
+              <a:t>2-</a:t>
+            </a:r>
+            <a:r>
+              <a:rPr lang="zh-CN" altLang="en-US" sz="3200" b="1" dirty="0"/>
+              <a:t>不太符合</a:t>
+            </a:r>
+            <a:endParaRPr lang="en-US" altLang="zh-CN" sz="3200" b="1" dirty="0"/>
+          </a:p>
+          <a:p>
+            <a:pPr algn="ctr"/>
+            <a:r>
+              <a:rPr lang="en-US" altLang="zh-CN" sz="3200" b="1" dirty="0"/>
+              <a:t>3-</a:t>
+            </a:r>
+            <a:r>
+              <a:rPr lang="zh-CN" altLang="en-US" sz="3200" b="1" dirty="0"/>
+              <a:t>不清楚</a:t>
+            </a:r>
+            <a:endParaRPr lang="en-US" altLang="zh-CN" sz="3200" b="1" dirty="0"/>
+          </a:p>
+          <a:p>
+            <a:pPr algn="ctr"/>
+            <a:r>
+              <a:rPr lang="en-US" altLang="zh-CN" sz="3200" b="1" dirty="0"/>
+              <a:t>4-</a:t>
+            </a:r>
+            <a:r>
+              <a:rPr lang="zh-CN" altLang="en-US" sz="3200" b="1" dirty="0"/>
+              <a:t>比较符合</a:t>
+            </a:r>
+            <a:endParaRPr lang="en-US" altLang="zh-CN" sz="3200" b="1" dirty="0"/>
+          </a:p>
+          <a:p>
+            <a:pPr algn="ctr"/>
+            <a:r>
+              <a:rPr lang="en-US" altLang="zh-CN" sz="3200" b="1" dirty="0"/>
+              <a:t>5-</a:t>
+            </a:r>
+            <a:r>
+              <a:rPr lang="zh-CN" altLang="en-US" sz="3200" b="1" dirty="0"/>
+              <a:t>完全符合</a:t>
+            </a:r>
+            <a:endParaRPr lang="en-US" altLang="zh-CN" sz="3200" b="1" dirty="0"/>
+          </a:p>
+          <a:p>
+            <a:pPr algn="ctr"/>
+            <a:endParaRPr lang="en-US" altLang="zh-CN" sz="3200" b="1" dirty="0">
+              <a:solidFill>
+                <a:srgbClr val="FFFF00"/>
+              </a:solidFill>
+            </a:endParaRPr>
+          </a:p>
+          <a:p>
+            <a:pPr algn="ctr"/>
+            <a:r>
+              <a:rPr lang="zh-CN" altLang="en-US" sz="3200" b="1" dirty="0">
+                <a:solidFill>
+                  <a:srgbClr val="92D050"/>
+                </a:solidFill>
+              </a:rPr>
+              <a:t>请根据对应问题按下键盘相应数字键即可</a:t>
+            </a:r>
+            <a:endParaRPr lang="en-US" altLang="zh-CN" sz="3200" b="1" dirty="0">
+              <a:solidFill>
+                <a:srgbClr val="92D050"/>
+              </a:solidFill>
+            </a:endParaRPr>
+          </a:p>
+          <a:p>
+            <a:endParaRPr lang="zh-CN" altLang="en-US" sz="3200" dirty="0"/>
+          </a:p>
+        </p:txBody>
+      </p:sp>
+    </p:spTree>
+    <p:extLst>
+      <p:ext uri="{BB962C8B-B14F-4D97-AF65-F5344CB8AC3E}">
+        <p14:creationId xmlns:p14="http://schemas.microsoft.com/office/powerpoint/2010/main" val="876030928"/>
+      </p:ext>
+    </p:extLst>
+  </p:cSld>
+  <p:clrMapOvr>
+    <a:masterClrMapping/>
+  </p:clrMapOvr>
+</p:sld>
+</file>
+
+<file path=ppt/slides/slide17.xml><?xml version="1.0" encoding="utf-8"?>
+<p:sld xmlns:a="http://schemas.openxmlformats.org/drawingml/2006/main" xmlns:r="http://schemas.openxmlformats.org/officeDocument/2006/relationships" xmlns:p="http://schemas.openxmlformats.org/presentationml/2006/main">
+  <p:cSld>
+    <p:bg>
+      <p:bgPr>
+        <a:solidFill>
+          <a:srgbClr val="808080"/>
+        </a:solidFill>
+        <a:effectLst/>
+      </p:bgPr>
+    </p:bg>
+    <p:spTree>
+      <p:nvGrpSpPr>
+        <p:cNvPr id="1" name=""/>
+        <p:cNvGrpSpPr/>
+        <p:nvPr/>
+      </p:nvGrpSpPr>
+      <p:grpSpPr>
+        <a:xfrm>
+          <a:off x="0" y="0"/>
+          <a:ext cx="0" cy="0"/>
+          <a:chOff x="0" y="0"/>
+          <a:chExt cx="0" cy="0"/>
+        </a:xfrm>
+      </p:grpSpPr>
+      <p:sp>
+        <p:nvSpPr>
+          <p:cNvPr id="6" name="文本框 5">
+            <a:extLst>
+              <a:ext uri="{FF2B5EF4-FFF2-40B4-BE49-F238E27FC236}">
+                <a16:creationId xmlns:a16="http://schemas.microsoft.com/office/drawing/2014/main" id="{5F5A1657-FBA7-4130-935F-D0FFB40E0138}"/>
+              </a:ext>
+            </a:extLst>
+          </p:cNvPr>
+          <p:cNvSpPr txBox="1"/>
+          <p:nvPr/>
+        </p:nvSpPr>
+        <p:spPr>
+          <a:xfrm>
+            <a:off x="623740" y="971807"/>
+            <a:ext cx="10944520" cy="1077218"/>
+          </a:xfrm>
+          <a:prstGeom prst="rect">
+            <a:avLst/>
+          </a:prstGeom>
+          <a:noFill/>
+        </p:spPr>
+        <p:txBody>
+          <a:bodyPr wrap="square" rtlCol="0">
+            <a:spAutoFit/>
+          </a:bodyPr>
+          <a:lstStyle/>
+          <a:p>
+            <a:pPr algn="ctr"/>
+            <a:r>
+              <a:rPr lang="en-US" altLang="zh-CN" sz="3200" b="1" dirty="0"/>
+              <a:t>11.</a:t>
+            </a:r>
+            <a:r>
+              <a:rPr lang="zh-CN" altLang="en-US" sz="3200" b="1" dirty="0"/>
+              <a:t> 由于移动社交网络中的信息数量大、更新快，</a:t>
+            </a:r>
+            <a:br>
+              <a:rPr lang="en-US" altLang="zh-CN" sz="3200" b="1" dirty="0"/>
+            </a:br>
+            <a:r>
+              <a:rPr lang="zh-CN" altLang="en-US" sz="3200" b="1" dirty="0"/>
+              <a:t>我没有时间去深入思考这些信息的价值。</a:t>
+            </a:r>
+            <a:endParaRPr lang="en-US" altLang="zh-CN" sz="3200" b="1" dirty="0"/>
+          </a:p>
+        </p:txBody>
+      </p:sp>
+      <p:sp>
+        <p:nvSpPr>
+          <p:cNvPr id="2" name="文本框 1">
+            <a:extLst>
+              <a:ext uri="{FF2B5EF4-FFF2-40B4-BE49-F238E27FC236}">
+                <a16:creationId xmlns:a16="http://schemas.microsoft.com/office/drawing/2014/main" id="{5779F052-28A2-491A-BFDD-3D9C54D6A0F9}"/>
+              </a:ext>
+            </a:extLst>
+          </p:cNvPr>
+          <p:cNvSpPr txBox="1"/>
+          <p:nvPr/>
+        </p:nvSpPr>
+        <p:spPr>
+          <a:xfrm>
+            <a:off x="2310348" y="2500076"/>
+            <a:ext cx="7571304" cy="4031873"/>
+          </a:xfrm>
+          <a:prstGeom prst="rect">
+            <a:avLst/>
+          </a:prstGeom>
+          <a:noFill/>
+        </p:spPr>
+        <p:txBody>
+          <a:bodyPr wrap="none" rtlCol="0">
+            <a:spAutoFit/>
+          </a:bodyPr>
+          <a:lstStyle/>
+          <a:p>
+            <a:pPr algn="ctr"/>
+            <a:r>
+              <a:rPr lang="en-US" altLang="zh-CN" sz="3200" b="1" dirty="0"/>
+              <a:t>1-</a:t>
+            </a:r>
+            <a:r>
+              <a:rPr lang="zh-CN" altLang="en-US" sz="3200" b="1" dirty="0"/>
+              <a:t>完全不符合</a:t>
+            </a:r>
+            <a:endParaRPr lang="en-US" altLang="zh-CN" sz="3200" b="1" dirty="0"/>
+          </a:p>
+          <a:p>
+            <a:pPr algn="ctr"/>
+            <a:r>
+              <a:rPr lang="en-US" altLang="zh-CN" sz="3200" b="1" dirty="0"/>
+              <a:t>2-</a:t>
+            </a:r>
+            <a:r>
+              <a:rPr lang="zh-CN" altLang="en-US" sz="3200" b="1" dirty="0"/>
+              <a:t>不太符合</a:t>
+            </a:r>
+            <a:endParaRPr lang="en-US" altLang="zh-CN" sz="3200" b="1" dirty="0"/>
+          </a:p>
+          <a:p>
+            <a:pPr algn="ctr"/>
+            <a:r>
+              <a:rPr lang="en-US" altLang="zh-CN" sz="3200" b="1" dirty="0"/>
+              <a:t>3-</a:t>
+            </a:r>
+            <a:r>
+              <a:rPr lang="zh-CN" altLang="en-US" sz="3200" b="1" dirty="0"/>
+              <a:t>不清楚</a:t>
+            </a:r>
+            <a:endParaRPr lang="en-US" altLang="zh-CN" sz="3200" b="1" dirty="0"/>
+          </a:p>
+          <a:p>
+            <a:pPr algn="ctr"/>
+            <a:r>
+              <a:rPr lang="en-US" altLang="zh-CN" sz="3200" b="1" dirty="0"/>
+              <a:t>4-</a:t>
+            </a:r>
+            <a:r>
+              <a:rPr lang="zh-CN" altLang="en-US" sz="3200" b="1" dirty="0"/>
+              <a:t>比较符合</a:t>
+            </a:r>
+            <a:endParaRPr lang="en-US" altLang="zh-CN" sz="3200" b="1" dirty="0"/>
+          </a:p>
+          <a:p>
+            <a:pPr algn="ctr"/>
+            <a:r>
+              <a:rPr lang="en-US" altLang="zh-CN" sz="3200" b="1" dirty="0"/>
+              <a:t>5-</a:t>
+            </a:r>
+            <a:r>
+              <a:rPr lang="zh-CN" altLang="en-US" sz="3200" b="1" dirty="0"/>
+              <a:t>完全符合</a:t>
+            </a:r>
+            <a:endParaRPr lang="en-US" altLang="zh-CN" sz="3200" b="1" dirty="0"/>
+          </a:p>
+          <a:p>
+            <a:pPr algn="ctr"/>
+            <a:endParaRPr lang="en-US" altLang="zh-CN" sz="3200" b="1" dirty="0">
+              <a:solidFill>
+                <a:srgbClr val="FFFF00"/>
+              </a:solidFill>
+            </a:endParaRPr>
+          </a:p>
+          <a:p>
+            <a:pPr algn="ctr"/>
+            <a:r>
+              <a:rPr lang="zh-CN" altLang="en-US" sz="3200" b="1" dirty="0">
+                <a:solidFill>
+                  <a:srgbClr val="92D050"/>
+                </a:solidFill>
+              </a:rPr>
+              <a:t>请根据对应问题按下键盘相应数字键即可</a:t>
+            </a:r>
+            <a:endParaRPr lang="en-US" altLang="zh-CN" sz="3200" b="1" dirty="0">
+              <a:solidFill>
+                <a:srgbClr val="92D050"/>
+              </a:solidFill>
+            </a:endParaRPr>
+          </a:p>
+          <a:p>
+            <a:endParaRPr lang="zh-CN" altLang="en-US" sz="3200" dirty="0"/>
+          </a:p>
+        </p:txBody>
+      </p:sp>
+    </p:spTree>
+    <p:extLst>
+      <p:ext uri="{BB962C8B-B14F-4D97-AF65-F5344CB8AC3E}">
+        <p14:creationId xmlns:p14="http://schemas.microsoft.com/office/powerpoint/2010/main" val="2631837341"/>
+      </p:ext>
+    </p:extLst>
+  </p:cSld>
+  <p:clrMapOvr>
+    <a:masterClrMapping/>
+  </p:clrMapOvr>
+</p:sld>
+</file>
+
+<file path=ppt/slides/slide18.xml><?xml version="1.0" encoding="utf-8"?>
+<p:sld xmlns:a="http://schemas.openxmlformats.org/drawingml/2006/main" xmlns:r="http://schemas.openxmlformats.org/officeDocument/2006/relationships" xmlns:p="http://schemas.openxmlformats.org/presentationml/2006/main">
+  <p:cSld>
+    <p:bg>
+      <p:bgPr>
+        <a:solidFill>
+          <a:srgbClr val="808080"/>
+        </a:solidFill>
+        <a:effectLst/>
+      </p:bgPr>
+    </p:bg>
+    <p:spTree>
+      <p:nvGrpSpPr>
+        <p:cNvPr id="1" name=""/>
+        <p:cNvGrpSpPr/>
+        <p:nvPr/>
+      </p:nvGrpSpPr>
+      <p:grpSpPr>
+        <a:xfrm>
+          <a:off x="0" y="0"/>
+          <a:ext cx="0" cy="0"/>
+          <a:chOff x="0" y="0"/>
+          <a:chExt cx="0" cy="0"/>
+        </a:xfrm>
+      </p:grpSpPr>
+      <p:sp>
+        <p:nvSpPr>
+          <p:cNvPr id="6" name="文本框 5">
+            <a:extLst>
+              <a:ext uri="{FF2B5EF4-FFF2-40B4-BE49-F238E27FC236}">
+                <a16:creationId xmlns:a16="http://schemas.microsoft.com/office/drawing/2014/main" id="{5F5A1657-FBA7-4130-935F-D0FFB40E0138}"/>
+              </a:ext>
+            </a:extLst>
+          </p:cNvPr>
+          <p:cNvSpPr txBox="1"/>
+          <p:nvPr/>
+        </p:nvSpPr>
+        <p:spPr>
+          <a:xfrm>
+            <a:off x="623740" y="971807"/>
+            <a:ext cx="10944520" cy="1077218"/>
+          </a:xfrm>
+          <a:prstGeom prst="rect">
+            <a:avLst/>
+          </a:prstGeom>
+          <a:noFill/>
+        </p:spPr>
+        <p:txBody>
+          <a:bodyPr wrap="square" rtlCol="0">
+            <a:spAutoFit/>
+          </a:bodyPr>
+          <a:lstStyle/>
+          <a:p>
+            <a:pPr algn="ctr"/>
+            <a:r>
+              <a:rPr lang="en-US" altLang="zh-CN" sz="3200" b="1" dirty="0"/>
+              <a:t>12.</a:t>
+            </a:r>
+            <a:r>
+              <a:rPr lang="zh-CN" altLang="en-US" sz="3200" b="1" dirty="0"/>
+              <a:t> 由于手机移动网络的便利，使我很少用脑子</a:t>
+            </a:r>
+            <a:br>
+              <a:rPr lang="en-US" altLang="zh-CN" sz="3200" b="1" dirty="0"/>
+            </a:br>
+            <a:r>
+              <a:rPr lang="zh-CN" altLang="en-US" sz="3200" b="1" dirty="0"/>
+              <a:t>去记忆，这也导致了我的记性越来越不好</a:t>
+            </a:r>
+            <a:endParaRPr lang="en-US" altLang="zh-CN" sz="3200" b="1" dirty="0"/>
+          </a:p>
+        </p:txBody>
+      </p:sp>
+      <p:sp>
+        <p:nvSpPr>
+          <p:cNvPr id="2" name="文本框 1">
+            <a:extLst>
+              <a:ext uri="{FF2B5EF4-FFF2-40B4-BE49-F238E27FC236}">
+                <a16:creationId xmlns:a16="http://schemas.microsoft.com/office/drawing/2014/main" id="{5779F052-28A2-491A-BFDD-3D9C54D6A0F9}"/>
+              </a:ext>
+            </a:extLst>
+          </p:cNvPr>
+          <p:cNvSpPr txBox="1"/>
+          <p:nvPr/>
+        </p:nvSpPr>
+        <p:spPr>
+          <a:xfrm>
+            <a:off x="2310348" y="2500076"/>
+            <a:ext cx="7571304" cy="4031873"/>
+          </a:xfrm>
+          <a:prstGeom prst="rect">
+            <a:avLst/>
+          </a:prstGeom>
+          <a:noFill/>
+        </p:spPr>
+        <p:txBody>
+          <a:bodyPr wrap="none" rtlCol="0">
+            <a:spAutoFit/>
+          </a:bodyPr>
+          <a:lstStyle/>
+          <a:p>
+            <a:pPr algn="ctr"/>
+            <a:r>
+              <a:rPr lang="en-US" altLang="zh-CN" sz="3200" b="1" dirty="0"/>
+              <a:t>1-</a:t>
+            </a:r>
+            <a:r>
+              <a:rPr lang="zh-CN" altLang="en-US" sz="3200" b="1" dirty="0"/>
+              <a:t>完全不符合</a:t>
+            </a:r>
+            <a:endParaRPr lang="en-US" altLang="zh-CN" sz="3200" b="1" dirty="0"/>
+          </a:p>
+          <a:p>
+            <a:pPr algn="ctr"/>
+            <a:r>
+              <a:rPr lang="en-US" altLang="zh-CN" sz="3200" b="1" dirty="0"/>
+              <a:t>2-</a:t>
+            </a:r>
+            <a:r>
+              <a:rPr lang="zh-CN" altLang="en-US" sz="3200" b="1" dirty="0"/>
+              <a:t>不太符合</a:t>
+            </a:r>
+            <a:endParaRPr lang="en-US" altLang="zh-CN" sz="3200" b="1" dirty="0"/>
+          </a:p>
+          <a:p>
+            <a:pPr algn="ctr"/>
+            <a:r>
+              <a:rPr lang="en-US" altLang="zh-CN" sz="3200" b="1" dirty="0"/>
+              <a:t>3-</a:t>
+            </a:r>
+            <a:r>
+              <a:rPr lang="zh-CN" altLang="en-US" sz="3200" b="1" dirty="0"/>
+              <a:t>不清楚</a:t>
+            </a:r>
+            <a:endParaRPr lang="en-US" altLang="zh-CN" sz="3200" b="1" dirty="0"/>
+          </a:p>
+          <a:p>
+            <a:pPr algn="ctr"/>
+            <a:r>
+              <a:rPr lang="en-US" altLang="zh-CN" sz="3200" b="1" dirty="0"/>
+              <a:t>4-</a:t>
+            </a:r>
+            <a:r>
+              <a:rPr lang="zh-CN" altLang="en-US" sz="3200" b="1" dirty="0"/>
+              <a:t>比较符合</a:t>
+            </a:r>
+            <a:endParaRPr lang="en-US" altLang="zh-CN" sz="3200" b="1" dirty="0"/>
+          </a:p>
+          <a:p>
+            <a:pPr algn="ctr"/>
+            <a:r>
+              <a:rPr lang="en-US" altLang="zh-CN" sz="3200" b="1" dirty="0"/>
+              <a:t>5-</a:t>
+            </a:r>
+            <a:r>
+              <a:rPr lang="zh-CN" altLang="en-US" sz="3200" b="1" dirty="0"/>
+              <a:t>完全符合</a:t>
+            </a:r>
+            <a:endParaRPr lang="en-US" altLang="zh-CN" sz="3200" b="1" dirty="0"/>
+          </a:p>
+          <a:p>
+            <a:pPr algn="ctr"/>
+            <a:endParaRPr lang="en-US" altLang="zh-CN" sz="3200" b="1" dirty="0">
+              <a:solidFill>
+                <a:srgbClr val="FFFF00"/>
+              </a:solidFill>
+            </a:endParaRPr>
+          </a:p>
+          <a:p>
+            <a:pPr algn="ctr"/>
+            <a:r>
+              <a:rPr lang="zh-CN" altLang="en-US" sz="3200" b="1" dirty="0">
+                <a:solidFill>
+                  <a:srgbClr val="92D050"/>
+                </a:solidFill>
+              </a:rPr>
+              <a:t>请根据对应问题按下键盘相应数字键即可</a:t>
+            </a:r>
+            <a:endParaRPr lang="en-US" altLang="zh-CN" sz="3200" b="1" dirty="0">
+              <a:solidFill>
+                <a:srgbClr val="92D050"/>
+              </a:solidFill>
+            </a:endParaRPr>
+          </a:p>
+          <a:p>
+            <a:endParaRPr lang="zh-CN" altLang="en-US" sz="3200" dirty="0"/>
+          </a:p>
+        </p:txBody>
+      </p:sp>
+    </p:spTree>
+    <p:extLst>
+      <p:ext uri="{BB962C8B-B14F-4D97-AF65-F5344CB8AC3E}">
+        <p14:creationId xmlns:p14="http://schemas.microsoft.com/office/powerpoint/2010/main" val="1860800284"/>
+      </p:ext>
+    </p:extLst>
+  </p:cSld>
+  <p:clrMapOvr>
+    <a:masterClrMapping/>
+  </p:clrMapOvr>
+</p:sld>
+</file>
+
+<file path=ppt/slides/slide19.xml><?xml version="1.0" encoding="utf-8"?>
+<p:sld xmlns:a="http://schemas.openxmlformats.org/drawingml/2006/main" xmlns:r="http://schemas.openxmlformats.org/officeDocument/2006/relationships" xmlns:p="http://schemas.openxmlformats.org/presentationml/2006/main">
+  <p:cSld>
+    <p:bg>
+      <p:bgPr>
+        <a:solidFill>
+          <a:srgbClr val="808080"/>
+        </a:solidFill>
+        <a:effectLst/>
+      </p:bgPr>
+    </p:bg>
+    <p:spTree>
+      <p:nvGrpSpPr>
+        <p:cNvPr id="1" name=""/>
+        <p:cNvGrpSpPr/>
+        <p:nvPr/>
+      </p:nvGrpSpPr>
+      <p:grpSpPr>
+        <a:xfrm>
+          <a:off x="0" y="0"/>
+          <a:ext cx="0" cy="0"/>
+          <a:chOff x="0" y="0"/>
+          <a:chExt cx="0" cy="0"/>
+        </a:xfrm>
+      </p:grpSpPr>
+      <p:sp>
+        <p:nvSpPr>
+          <p:cNvPr id="6" name="文本框 5">
+            <a:extLst>
+              <a:ext uri="{FF2B5EF4-FFF2-40B4-BE49-F238E27FC236}">
+                <a16:creationId xmlns:a16="http://schemas.microsoft.com/office/drawing/2014/main" id="{5F5A1657-FBA7-4130-935F-D0FFB40E0138}"/>
+              </a:ext>
+            </a:extLst>
+          </p:cNvPr>
+          <p:cNvSpPr txBox="1"/>
+          <p:nvPr/>
+        </p:nvSpPr>
+        <p:spPr>
+          <a:xfrm>
+            <a:off x="623740" y="971807"/>
+            <a:ext cx="10944520" cy="1077218"/>
+          </a:xfrm>
+          <a:prstGeom prst="rect">
+            <a:avLst/>
+          </a:prstGeom>
+          <a:noFill/>
+        </p:spPr>
+        <p:txBody>
+          <a:bodyPr wrap="square" rtlCol="0">
+            <a:spAutoFit/>
+          </a:bodyPr>
+          <a:lstStyle/>
+          <a:p>
+            <a:pPr algn="ctr"/>
+            <a:r>
+              <a:rPr lang="en-US" altLang="zh-CN" sz="3200" b="1" dirty="0"/>
+              <a:t>13.</a:t>
+            </a:r>
+            <a:r>
+              <a:rPr lang="zh-CN" altLang="en-US" sz="3200" b="1" dirty="0"/>
+              <a:t> 频繁和长时间手机使用移动社交网络，</a:t>
+            </a:r>
+            <a:br>
+              <a:rPr lang="en-US" altLang="zh-CN" sz="3200" b="1" dirty="0"/>
+            </a:br>
+            <a:r>
+              <a:rPr lang="zh-CN" altLang="en-US" sz="3200" b="1" dirty="0"/>
+              <a:t>与现实生活中朋友、家人沟通减少了</a:t>
+            </a:r>
+            <a:endParaRPr lang="en-US" altLang="zh-CN" sz="3200" b="1" dirty="0"/>
+          </a:p>
+        </p:txBody>
+      </p:sp>
+      <p:sp>
+        <p:nvSpPr>
+          <p:cNvPr id="2" name="文本框 1">
+            <a:extLst>
+              <a:ext uri="{FF2B5EF4-FFF2-40B4-BE49-F238E27FC236}">
+                <a16:creationId xmlns:a16="http://schemas.microsoft.com/office/drawing/2014/main" id="{5779F052-28A2-491A-BFDD-3D9C54D6A0F9}"/>
+              </a:ext>
+            </a:extLst>
+          </p:cNvPr>
+          <p:cNvSpPr txBox="1"/>
+          <p:nvPr/>
+        </p:nvSpPr>
+        <p:spPr>
+          <a:xfrm>
+            <a:off x="2310348" y="2500076"/>
+            <a:ext cx="7571304" cy="4031873"/>
+          </a:xfrm>
+          <a:prstGeom prst="rect">
+            <a:avLst/>
+          </a:prstGeom>
+          <a:noFill/>
+        </p:spPr>
+        <p:txBody>
+          <a:bodyPr wrap="none" rtlCol="0">
+            <a:spAutoFit/>
+          </a:bodyPr>
+          <a:lstStyle/>
+          <a:p>
+            <a:pPr algn="ctr"/>
+            <a:r>
+              <a:rPr lang="en-US" altLang="zh-CN" sz="3200" b="1" dirty="0"/>
+              <a:t>1-</a:t>
+            </a:r>
+            <a:r>
+              <a:rPr lang="zh-CN" altLang="en-US" sz="3200" b="1" dirty="0"/>
+              <a:t>完全不符合</a:t>
+            </a:r>
+            <a:endParaRPr lang="en-US" altLang="zh-CN" sz="3200" b="1" dirty="0"/>
+          </a:p>
+          <a:p>
+            <a:pPr algn="ctr"/>
+            <a:r>
+              <a:rPr lang="en-US" altLang="zh-CN" sz="3200" b="1" dirty="0"/>
+              <a:t>2-</a:t>
+            </a:r>
+            <a:r>
+              <a:rPr lang="zh-CN" altLang="en-US" sz="3200" b="1" dirty="0"/>
+              <a:t>不太符合</a:t>
+            </a:r>
+            <a:endParaRPr lang="en-US" altLang="zh-CN" sz="3200" b="1" dirty="0"/>
+          </a:p>
+          <a:p>
+            <a:pPr algn="ctr"/>
+            <a:r>
+              <a:rPr lang="en-US" altLang="zh-CN" sz="3200" b="1" dirty="0"/>
+              <a:t>3-</a:t>
+            </a:r>
+            <a:r>
+              <a:rPr lang="zh-CN" altLang="en-US" sz="3200" b="1" dirty="0"/>
+              <a:t>不清楚</a:t>
+            </a:r>
+            <a:endParaRPr lang="en-US" altLang="zh-CN" sz="3200" b="1" dirty="0"/>
+          </a:p>
+          <a:p>
+            <a:pPr algn="ctr"/>
+            <a:r>
+              <a:rPr lang="en-US" altLang="zh-CN" sz="3200" b="1" dirty="0"/>
+              <a:t>4-</a:t>
+            </a:r>
+            <a:r>
+              <a:rPr lang="zh-CN" altLang="en-US" sz="3200" b="1" dirty="0"/>
+              <a:t>比较符合</a:t>
+            </a:r>
+            <a:endParaRPr lang="en-US" altLang="zh-CN" sz="3200" b="1" dirty="0"/>
+          </a:p>
+          <a:p>
+            <a:pPr algn="ctr"/>
+            <a:r>
+              <a:rPr lang="en-US" altLang="zh-CN" sz="3200" b="1" dirty="0"/>
+              <a:t>5-</a:t>
+            </a:r>
+            <a:r>
+              <a:rPr lang="zh-CN" altLang="en-US" sz="3200" b="1" dirty="0"/>
+              <a:t>完全符合</a:t>
+            </a:r>
+            <a:endParaRPr lang="en-US" altLang="zh-CN" sz="3200" b="1" dirty="0"/>
+          </a:p>
+          <a:p>
+            <a:pPr algn="ctr"/>
+            <a:endParaRPr lang="en-US" altLang="zh-CN" sz="3200" b="1" dirty="0">
+              <a:solidFill>
+                <a:srgbClr val="FFFF00"/>
+              </a:solidFill>
+            </a:endParaRPr>
+          </a:p>
+          <a:p>
+            <a:pPr algn="ctr"/>
+            <a:r>
+              <a:rPr lang="zh-CN" altLang="en-US" sz="3200" b="1" dirty="0">
+                <a:solidFill>
+                  <a:srgbClr val="92D050"/>
+                </a:solidFill>
+              </a:rPr>
+              <a:t>请根据对应问题按下键盘相应数字键即可</a:t>
+            </a:r>
+            <a:endParaRPr lang="en-US" altLang="zh-CN" sz="3200" b="1" dirty="0">
+              <a:solidFill>
+                <a:srgbClr val="92D050"/>
+              </a:solidFill>
+            </a:endParaRPr>
+          </a:p>
+          <a:p>
+            <a:endParaRPr lang="zh-CN" altLang="en-US" sz="3200" dirty="0"/>
+          </a:p>
+        </p:txBody>
+      </p:sp>
+    </p:spTree>
+    <p:extLst>
+      <p:ext uri="{BB962C8B-B14F-4D97-AF65-F5344CB8AC3E}">
+        <p14:creationId xmlns:p14="http://schemas.microsoft.com/office/powerpoint/2010/main" val="3234459738"/>
+      </p:ext>
+    </p:extLst>
+  </p:cSld>
+  <p:clrMapOvr>
+    <a:masterClrMapping/>
+  </p:clrMapOvr>
+</p:sld>
+</file>
+
 <file path=ppt/slides/slide2.xml><?xml version="1.0" encoding="utf-8"?>
 <p:sld xmlns:a="http://schemas.openxmlformats.org/drawingml/2006/main" xmlns:r="http://schemas.openxmlformats.org/officeDocument/2006/relationships" xmlns:p="http://schemas.openxmlformats.org/presentationml/2006/main">
   <p:cSld>
@@ -4425,6 +7822,410 @@
     <p:extLst>
       <p:ext uri="{BB962C8B-B14F-4D97-AF65-F5344CB8AC3E}">
         <p14:creationId xmlns:p14="http://schemas.microsoft.com/office/powerpoint/2010/main" val="341519460"/>
+      </p:ext>
+    </p:extLst>
+  </p:cSld>
+  <p:clrMapOvr>
+    <a:masterClrMapping/>
+  </p:clrMapOvr>
+</p:sld>
+</file>
+
+<file path=ppt/slides/slide20.xml><?xml version="1.0" encoding="utf-8"?>
+<p:sld xmlns:a="http://schemas.openxmlformats.org/drawingml/2006/main" xmlns:r="http://schemas.openxmlformats.org/officeDocument/2006/relationships" xmlns:p="http://schemas.openxmlformats.org/presentationml/2006/main">
+  <p:cSld>
+    <p:bg>
+      <p:bgPr>
+        <a:solidFill>
+          <a:srgbClr val="808080"/>
+        </a:solidFill>
+        <a:effectLst/>
+      </p:bgPr>
+    </p:bg>
+    <p:spTree>
+      <p:nvGrpSpPr>
+        <p:cNvPr id="1" name=""/>
+        <p:cNvGrpSpPr/>
+        <p:nvPr/>
+      </p:nvGrpSpPr>
+      <p:grpSpPr>
+        <a:xfrm>
+          <a:off x="0" y="0"/>
+          <a:ext cx="0" cy="0"/>
+          <a:chOff x="0" y="0"/>
+          <a:chExt cx="0" cy="0"/>
+        </a:xfrm>
+      </p:grpSpPr>
+      <p:sp>
+        <p:nvSpPr>
+          <p:cNvPr id="6" name="文本框 5">
+            <a:extLst>
+              <a:ext uri="{FF2B5EF4-FFF2-40B4-BE49-F238E27FC236}">
+                <a16:creationId xmlns:a16="http://schemas.microsoft.com/office/drawing/2014/main" id="{5F5A1657-FBA7-4130-935F-D0FFB40E0138}"/>
+              </a:ext>
+            </a:extLst>
+          </p:cNvPr>
+          <p:cNvSpPr txBox="1"/>
+          <p:nvPr/>
+        </p:nvSpPr>
+        <p:spPr>
+          <a:xfrm>
+            <a:off x="623740" y="971807"/>
+            <a:ext cx="10944520" cy="1077218"/>
+          </a:xfrm>
+          <a:prstGeom prst="rect">
+            <a:avLst/>
+          </a:prstGeom>
+          <a:noFill/>
+        </p:spPr>
+        <p:txBody>
+          <a:bodyPr wrap="square" rtlCol="0">
+            <a:spAutoFit/>
+          </a:bodyPr>
+          <a:lstStyle/>
+          <a:p>
+            <a:pPr algn="ctr"/>
+            <a:r>
+              <a:rPr lang="en-US" altLang="zh-CN" sz="3200" b="1" dirty="0"/>
+              <a:t>14.</a:t>
+            </a:r>
+            <a:r>
+              <a:rPr lang="zh-CN" altLang="en-US" sz="3200" b="1" dirty="0"/>
+              <a:t> 当使用移动社交网络刷屏或聊天时间过长</a:t>
+            </a:r>
+            <a:br>
+              <a:rPr lang="en-US" altLang="zh-CN" sz="3200" b="1" dirty="0"/>
+            </a:br>
+            <a:r>
+              <a:rPr lang="zh-CN" altLang="en-US" sz="3200" b="1" dirty="0"/>
+              <a:t>而耽误学习或工作，常会感到后悔和内疚。</a:t>
+            </a:r>
+            <a:endParaRPr lang="en-US" altLang="zh-CN" sz="3200" b="1" dirty="0"/>
+          </a:p>
+        </p:txBody>
+      </p:sp>
+      <p:sp>
+        <p:nvSpPr>
+          <p:cNvPr id="2" name="文本框 1">
+            <a:extLst>
+              <a:ext uri="{FF2B5EF4-FFF2-40B4-BE49-F238E27FC236}">
+                <a16:creationId xmlns:a16="http://schemas.microsoft.com/office/drawing/2014/main" id="{5779F052-28A2-491A-BFDD-3D9C54D6A0F9}"/>
+              </a:ext>
+            </a:extLst>
+          </p:cNvPr>
+          <p:cNvSpPr txBox="1"/>
+          <p:nvPr/>
+        </p:nvSpPr>
+        <p:spPr>
+          <a:xfrm>
+            <a:off x="2310348" y="2500076"/>
+            <a:ext cx="7571304" cy="4031873"/>
+          </a:xfrm>
+          <a:prstGeom prst="rect">
+            <a:avLst/>
+          </a:prstGeom>
+          <a:noFill/>
+        </p:spPr>
+        <p:txBody>
+          <a:bodyPr wrap="none" rtlCol="0">
+            <a:spAutoFit/>
+          </a:bodyPr>
+          <a:lstStyle/>
+          <a:p>
+            <a:pPr algn="ctr"/>
+            <a:r>
+              <a:rPr lang="en-US" altLang="zh-CN" sz="3200" b="1" dirty="0"/>
+              <a:t>1-</a:t>
+            </a:r>
+            <a:r>
+              <a:rPr lang="zh-CN" altLang="en-US" sz="3200" b="1" dirty="0"/>
+              <a:t>完全不符合</a:t>
+            </a:r>
+            <a:endParaRPr lang="en-US" altLang="zh-CN" sz="3200" b="1" dirty="0"/>
+          </a:p>
+          <a:p>
+            <a:pPr algn="ctr"/>
+            <a:r>
+              <a:rPr lang="en-US" altLang="zh-CN" sz="3200" b="1" dirty="0"/>
+              <a:t>2-</a:t>
+            </a:r>
+            <a:r>
+              <a:rPr lang="zh-CN" altLang="en-US" sz="3200" b="1" dirty="0"/>
+              <a:t>不太符合</a:t>
+            </a:r>
+            <a:endParaRPr lang="en-US" altLang="zh-CN" sz="3200" b="1" dirty="0"/>
+          </a:p>
+          <a:p>
+            <a:pPr algn="ctr"/>
+            <a:r>
+              <a:rPr lang="en-US" altLang="zh-CN" sz="3200" b="1" dirty="0"/>
+              <a:t>3-</a:t>
+            </a:r>
+            <a:r>
+              <a:rPr lang="zh-CN" altLang="en-US" sz="3200" b="1" dirty="0"/>
+              <a:t>不清楚</a:t>
+            </a:r>
+            <a:endParaRPr lang="en-US" altLang="zh-CN" sz="3200" b="1" dirty="0"/>
+          </a:p>
+          <a:p>
+            <a:pPr algn="ctr"/>
+            <a:r>
+              <a:rPr lang="en-US" altLang="zh-CN" sz="3200" b="1" dirty="0"/>
+              <a:t>4-</a:t>
+            </a:r>
+            <a:r>
+              <a:rPr lang="zh-CN" altLang="en-US" sz="3200" b="1" dirty="0"/>
+              <a:t>比较符合</a:t>
+            </a:r>
+            <a:endParaRPr lang="en-US" altLang="zh-CN" sz="3200" b="1" dirty="0"/>
+          </a:p>
+          <a:p>
+            <a:pPr algn="ctr"/>
+            <a:r>
+              <a:rPr lang="en-US" altLang="zh-CN" sz="3200" b="1" dirty="0"/>
+              <a:t>5-</a:t>
+            </a:r>
+            <a:r>
+              <a:rPr lang="zh-CN" altLang="en-US" sz="3200" b="1" dirty="0"/>
+              <a:t>完全符合</a:t>
+            </a:r>
+            <a:endParaRPr lang="en-US" altLang="zh-CN" sz="3200" b="1" dirty="0"/>
+          </a:p>
+          <a:p>
+            <a:pPr algn="ctr"/>
+            <a:endParaRPr lang="en-US" altLang="zh-CN" sz="3200" b="1" dirty="0">
+              <a:solidFill>
+                <a:srgbClr val="FFFF00"/>
+              </a:solidFill>
+            </a:endParaRPr>
+          </a:p>
+          <a:p>
+            <a:pPr algn="ctr"/>
+            <a:r>
+              <a:rPr lang="zh-CN" altLang="en-US" sz="3200" b="1" dirty="0">
+                <a:solidFill>
+                  <a:srgbClr val="92D050"/>
+                </a:solidFill>
+              </a:rPr>
+              <a:t>请根据对应问题按下键盘相应数字键即可</a:t>
+            </a:r>
+            <a:endParaRPr lang="en-US" altLang="zh-CN" sz="3200" b="1" dirty="0">
+              <a:solidFill>
+                <a:srgbClr val="92D050"/>
+              </a:solidFill>
+            </a:endParaRPr>
+          </a:p>
+          <a:p>
+            <a:endParaRPr lang="zh-CN" altLang="en-US" sz="3200" dirty="0"/>
+          </a:p>
+        </p:txBody>
+      </p:sp>
+    </p:spTree>
+    <p:extLst>
+      <p:ext uri="{BB962C8B-B14F-4D97-AF65-F5344CB8AC3E}">
+        <p14:creationId xmlns:p14="http://schemas.microsoft.com/office/powerpoint/2010/main" val="2639024410"/>
+      </p:ext>
+    </p:extLst>
+  </p:cSld>
+  <p:clrMapOvr>
+    <a:masterClrMapping/>
+  </p:clrMapOvr>
+</p:sld>
+</file>
+
+<file path=ppt/slides/slide21.xml><?xml version="1.0" encoding="utf-8"?>
+<p:sld xmlns:a="http://schemas.openxmlformats.org/drawingml/2006/main" xmlns:r="http://schemas.openxmlformats.org/officeDocument/2006/relationships" xmlns:p="http://schemas.openxmlformats.org/presentationml/2006/main">
+  <p:cSld>
+    <p:bg>
+      <p:bgPr>
+        <a:solidFill>
+          <a:srgbClr val="808080"/>
+        </a:solidFill>
+        <a:effectLst/>
+      </p:bgPr>
+    </p:bg>
+    <p:spTree>
+      <p:nvGrpSpPr>
+        <p:cNvPr id="1" name=""/>
+        <p:cNvGrpSpPr/>
+        <p:nvPr/>
+      </p:nvGrpSpPr>
+      <p:grpSpPr>
+        <a:xfrm>
+          <a:off x="0" y="0"/>
+          <a:ext cx="0" cy="0"/>
+          <a:chOff x="0" y="0"/>
+          <a:chExt cx="0" cy="0"/>
+        </a:xfrm>
+      </p:grpSpPr>
+      <p:sp>
+        <p:nvSpPr>
+          <p:cNvPr id="6" name="文本框 5">
+            <a:extLst>
+              <a:ext uri="{FF2B5EF4-FFF2-40B4-BE49-F238E27FC236}">
+                <a16:creationId xmlns:a16="http://schemas.microsoft.com/office/drawing/2014/main" id="{5F5A1657-FBA7-4130-935F-D0FFB40E0138}"/>
+              </a:ext>
+            </a:extLst>
+          </p:cNvPr>
+          <p:cNvSpPr txBox="1"/>
+          <p:nvPr/>
+        </p:nvSpPr>
+        <p:spPr>
+          <a:xfrm>
+            <a:off x="623740" y="971807"/>
+            <a:ext cx="10944520" cy="1077218"/>
+          </a:xfrm>
+          <a:prstGeom prst="rect">
+            <a:avLst/>
+          </a:prstGeom>
+          <a:noFill/>
+        </p:spPr>
+        <p:txBody>
+          <a:bodyPr wrap="square" rtlCol="0">
+            <a:spAutoFit/>
+          </a:bodyPr>
+          <a:lstStyle/>
+          <a:p>
+            <a:pPr algn="ctr"/>
+            <a:r>
+              <a:rPr lang="en-US" altLang="zh-CN" sz="3200" b="1" dirty="0"/>
+              <a:t>15.</a:t>
+            </a:r>
+            <a:r>
+              <a:rPr lang="zh-CN" altLang="en-US" sz="3200" b="1" dirty="0"/>
+              <a:t> 因使用社交网络而耽误了做正事，</a:t>
+            </a:r>
+            <a:br>
+              <a:rPr lang="en-US" altLang="zh-CN" sz="3200" b="1" dirty="0"/>
+            </a:br>
+            <a:r>
+              <a:rPr lang="zh-CN" altLang="en-US" sz="3200" b="1" dirty="0"/>
+              <a:t>常会感到后悔玩手机耽误了时间。</a:t>
+            </a:r>
+            <a:endParaRPr lang="en-US" altLang="zh-CN" sz="3200" b="1" dirty="0"/>
+          </a:p>
+        </p:txBody>
+      </p:sp>
+      <p:sp>
+        <p:nvSpPr>
+          <p:cNvPr id="2" name="文本框 1">
+            <a:extLst>
+              <a:ext uri="{FF2B5EF4-FFF2-40B4-BE49-F238E27FC236}">
+                <a16:creationId xmlns:a16="http://schemas.microsoft.com/office/drawing/2014/main" id="{5779F052-28A2-491A-BFDD-3D9C54D6A0F9}"/>
+              </a:ext>
+            </a:extLst>
+          </p:cNvPr>
+          <p:cNvSpPr txBox="1"/>
+          <p:nvPr/>
+        </p:nvSpPr>
+        <p:spPr>
+          <a:xfrm>
+            <a:off x="2310348" y="2500076"/>
+            <a:ext cx="7571304" cy="4031873"/>
+          </a:xfrm>
+          <a:prstGeom prst="rect">
+            <a:avLst/>
+          </a:prstGeom>
+          <a:noFill/>
+        </p:spPr>
+        <p:txBody>
+          <a:bodyPr wrap="none" rtlCol="0">
+            <a:spAutoFit/>
+          </a:bodyPr>
+          <a:lstStyle/>
+          <a:p>
+            <a:pPr algn="ctr"/>
+            <a:r>
+              <a:rPr lang="en-US" altLang="zh-CN" sz="3200" b="1" dirty="0"/>
+              <a:t>1-</a:t>
+            </a:r>
+            <a:r>
+              <a:rPr lang="zh-CN" altLang="en-US" sz="3200" b="1" dirty="0"/>
+              <a:t>完全不符合</a:t>
+            </a:r>
+            <a:endParaRPr lang="en-US" altLang="zh-CN" sz="3200" b="1" dirty="0"/>
+          </a:p>
+          <a:p>
+            <a:pPr algn="ctr"/>
+            <a:r>
+              <a:rPr lang="en-US" altLang="zh-CN" sz="3200" b="1" dirty="0"/>
+              <a:t>2-</a:t>
+            </a:r>
+            <a:r>
+              <a:rPr lang="zh-CN" altLang="en-US" sz="3200" b="1" dirty="0"/>
+              <a:t>不太符合</a:t>
+            </a:r>
+            <a:endParaRPr lang="en-US" altLang="zh-CN" sz="3200" b="1" dirty="0"/>
+          </a:p>
+          <a:p>
+            <a:pPr algn="ctr"/>
+            <a:r>
+              <a:rPr lang="en-US" altLang="zh-CN" sz="3200" b="1" dirty="0"/>
+              <a:t>3-</a:t>
+            </a:r>
+            <a:r>
+              <a:rPr lang="zh-CN" altLang="en-US" sz="3200" b="1" dirty="0"/>
+              <a:t>不清楚</a:t>
+            </a:r>
+            <a:endParaRPr lang="en-US" altLang="zh-CN" sz="3200" b="1" dirty="0"/>
+          </a:p>
+          <a:p>
+            <a:pPr algn="ctr"/>
+            <a:r>
+              <a:rPr lang="en-US" altLang="zh-CN" sz="3200" b="1" dirty="0"/>
+              <a:t>4-</a:t>
+            </a:r>
+            <a:r>
+              <a:rPr lang="zh-CN" altLang="en-US" sz="3200" b="1" dirty="0"/>
+              <a:t>比较符合</a:t>
+            </a:r>
+            <a:endParaRPr lang="en-US" altLang="zh-CN" sz="3200" b="1" dirty="0"/>
+          </a:p>
+          <a:p>
+            <a:pPr algn="ctr"/>
+            <a:r>
+              <a:rPr lang="en-US" altLang="zh-CN" sz="3200" b="1" dirty="0"/>
+              <a:t>5-</a:t>
+            </a:r>
+            <a:r>
+              <a:rPr lang="zh-CN" altLang="en-US" sz="3200" b="1" dirty="0"/>
+              <a:t>完全符合</a:t>
+            </a:r>
+            <a:endParaRPr lang="en-US" altLang="zh-CN" sz="3200" b="1" dirty="0"/>
+          </a:p>
+          <a:p>
+            <a:pPr algn="ctr"/>
+            <a:endParaRPr lang="en-US" altLang="zh-CN" sz="3200" b="1" dirty="0">
+              <a:solidFill>
+                <a:srgbClr val="FFFF00"/>
+              </a:solidFill>
+            </a:endParaRPr>
+          </a:p>
+          <a:p>
+            <a:pPr algn="ctr"/>
+            <a:r>
+              <a:rPr lang="zh-CN" altLang="en-US" sz="3200" b="1" dirty="0">
+                <a:solidFill>
+                  <a:srgbClr val="92D050"/>
+                </a:solidFill>
+              </a:rPr>
+              <a:t>请根据对应问题按下键盘相应数字键即可</a:t>
+            </a:r>
+            <a:endParaRPr lang="en-US" altLang="zh-CN" sz="3200" b="1" dirty="0">
+              <a:solidFill>
+                <a:srgbClr val="92D050"/>
+              </a:solidFill>
+            </a:endParaRPr>
+          </a:p>
+          <a:p>
+            <a:endParaRPr lang="zh-CN" altLang="en-US" sz="3200" dirty="0"/>
+          </a:p>
+        </p:txBody>
+      </p:sp>
+    </p:spTree>
+    <p:extLst>
+      <p:ext uri="{BB962C8B-B14F-4D97-AF65-F5344CB8AC3E}">
+        <p14:creationId xmlns:p14="http://schemas.microsoft.com/office/powerpoint/2010/main" val="626734673"/>
       </p:ext>
     </p:extLst>
   </p:cSld>
@@ -4749,11 +8550,11 @@
                   <a:schemeClr val="accent6"/>
                 </a:solidFill>
               </a:rPr>
-              <a:t>需要一个月之后才能获得</a:t>
-            </a:r>
-            <a:r>
-              <a:rPr lang="zh-CN" altLang="en-US" sz="3200" b="1" dirty="0"/>
-              <a:t>，您需要根据自己的意愿，选择立即获得价值较低的金额还是一个月后价值较高的金额。</a:t>
+              <a:t>需要一段时间之后才能获得</a:t>
+            </a:r>
+            <a:r>
+              <a:rPr lang="zh-CN" altLang="en-US" sz="3200" b="1" dirty="0"/>
+              <a:t>，您需要根据自己的意愿，选择立即获得价值较低的金额还是一段时间后价值较高的金额。</a:t>
             </a:r>
             <a:endParaRPr lang="en-US" altLang="zh-CN" sz="3200" b="1" dirty="0"/>
           </a:p>
@@ -4805,7 +8606,7 @@
                   <a:srgbClr val="7030A0"/>
                 </a:solidFill>
               </a:rPr>
-              <a:t>一个月后获得较高的金额</a:t>
+              <a:t>一段时间后获得较高的金额</a:t>
             </a:r>
             <a:r>
               <a:rPr lang="zh-CN" altLang="en-US" sz="3200" b="1" dirty="0"/>
@@ -4938,6 +8739,894 @@
     <p:extLst>
       <p:ext uri="{BB962C8B-B14F-4D97-AF65-F5344CB8AC3E}">
         <p14:creationId xmlns:p14="http://schemas.microsoft.com/office/powerpoint/2010/main" val="1847001377"/>
+      </p:ext>
+    </p:extLst>
+  </p:cSld>
+  <p:clrMapOvr>
+    <a:masterClrMapping/>
+  </p:clrMapOvr>
+</p:sld>
+</file>
+
+<file path=ppt/slides/slide6.xml><?xml version="1.0" encoding="utf-8"?>
+<p:sld xmlns:a="http://schemas.openxmlformats.org/drawingml/2006/main" xmlns:r="http://schemas.openxmlformats.org/officeDocument/2006/relationships" xmlns:p="http://schemas.openxmlformats.org/presentationml/2006/main">
+  <p:cSld>
+    <p:bg>
+      <p:bgPr>
+        <a:solidFill>
+          <a:srgbClr val="808080"/>
+        </a:solidFill>
+        <a:effectLst/>
+      </p:bgPr>
+    </p:bg>
+    <p:spTree>
+      <p:nvGrpSpPr>
+        <p:cNvPr id="1" name=""/>
+        <p:cNvGrpSpPr/>
+        <p:nvPr/>
+      </p:nvGrpSpPr>
+      <p:grpSpPr>
+        <a:xfrm>
+          <a:off x="0" y="0"/>
+          <a:ext cx="0" cy="0"/>
+          <a:chOff x="0" y="0"/>
+          <a:chExt cx="0" cy="0"/>
+        </a:xfrm>
+      </p:grpSpPr>
+      <p:sp>
+        <p:nvSpPr>
+          <p:cNvPr id="6" name="文本框 5">
+            <a:extLst>
+              <a:ext uri="{FF2B5EF4-FFF2-40B4-BE49-F238E27FC236}">
+                <a16:creationId xmlns:a16="http://schemas.microsoft.com/office/drawing/2014/main" id="{5F5A1657-FBA7-4130-935F-D0FFB40E0138}"/>
+              </a:ext>
+            </a:extLst>
+          </p:cNvPr>
+          <p:cNvSpPr txBox="1"/>
+          <p:nvPr/>
+        </p:nvSpPr>
+        <p:spPr>
+          <a:xfrm>
+            <a:off x="623740" y="385881"/>
+            <a:ext cx="10944520" cy="6001643"/>
+          </a:xfrm>
+          <a:prstGeom prst="rect">
+            <a:avLst/>
+          </a:prstGeom>
+          <a:noFill/>
+        </p:spPr>
+        <p:txBody>
+          <a:bodyPr wrap="square" rtlCol="0">
+            <a:spAutoFit/>
+          </a:bodyPr>
+          <a:lstStyle/>
+          <a:p>
+            <a:pPr algn="ctr"/>
+            <a:r>
+              <a:rPr lang="zh-CN" altLang="en-US" sz="3200" b="1" dirty="0">
+                <a:solidFill>
+                  <a:srgbClr val="FF0000"/>
+                </a:solidFill>
+              </a:rPr>
+              <a:t>青少年问题性移动社交媒体使用评估问卷</a:t>
+            </a:r>
+            <a:endParaRPr lang="en-US" altLang="zh-CN" sz="3200" b="1" dirty="0">
+              <a:solidFill>
+                <a:srgbClr val="FF0000"/>
+              </a:solidFill>
+            </a:endParaRPr>
+          </a:p>
+          <a:p>
+            <a:pPr algn="ctr"/>
+            <a:endParaRPr lang="en-US" altLang="zh-CN" sz="3200" b="1" dirty="0"/>
+          </a:p>
+          <a:p>
+            <a:pPr algn="ctr"/>
+            <a:r>
+              <a:rPr lang="zh-CN" altLang="en-US" sz="3200" b="1" dirty="0"/>
+              <a:t>指导语：下面是关于移动社交媒体使用过程中</a:t>
+            </a:r>
+            <a:endParaRPr lang="en-US" altLang="zh-CN" sz="3200" b="1" dirty="0"/>
+          </a:p>
+          <a:p>
+            <a:pPr algn="ctr"/>
+            <a:r>
+              <a:rPr lang="zh-CN" altLang="en-US" sz="3200" b="1" dirty="0"/>
+              <a:t>可能出现的现象，请根据自己实际情况作答。</a:t>
+            </a:r>
+            <a:endParaRPr lang="en-US" altLang="zh-CN" sz="3200" b="1" dirty="0"/>
+          </a:p>
+          <a:p>
+            <a:pPr algn="ctr"/>
+            <a:r>
+              <a:rPr lang="en-US" altLang="zh-CN" sz="3200" b="1" dirty="0">
+                <a:solidFill>
+                  <a:srgbClr val="FFFF00"/>
+                </a:solidFill>
+              </a:rPr>
+              <a:t>1-</a:t>
+            </a:r>
+            <a:r>
+              <a:rPr lang="zh-CN" altLang="en-US" sz="3200" b="1" dirty="0">
+                <a:solidFill>
+                  <a:srgbClr val="FFFF00"/>
+                </a:solidFill>
+              </a:rPr>
+              <a:t>完全不符合</a:t>
+            </a:r>
+            <a:endParaRPr lang="en-US" altLang="zh-CN" sz="3200" b="1" dirty="0">
+              <a:solidFill>
+                <a:srgbClr val="FFFF00"/>
+              </a:solidFill>
+            </a:endParaRPr>
+          </a:p>
+          <a:p>
+            <a:pPr algn="ctr"/>
+            <a:r>
+              <a:rPr lang="en-US" altLang="zh-CN" sz="3200" b="1" dirty="0">
+                <a:solidFill>
+                  <a:srgbClr val="FFFF00"/>
+                </a:solidFill>
+              </a:rPr>
+              <a:t>2-</a:t>
+            </a:r>
+            <a:r>
+              <a:rPr lang="zh-CN" altLang="en-US" sz="3200" b="1" dirty="0">
+                <a:solidFill>
+                  <a:srgbClr val="FFFF00"/>
+                </a:solidFill>
+              </a:rPr>
+              <a:t>不太符合</a:t>
+            </a:r>
+            <a:endParaRPr lang="en-US" altLang="zh-CN" sz="3200" b="1" dirty="0">
+              <a:solidFill>
+                <a:srgbClr val="FFFF00"/>
+              </a:solidFill>
+            </a:endParaRPr>
+          </a:p>
+          <a:p>
+            <a:pPr algn="ctr"/>
+            <a:r>
+              <a:rPr lang="en-US" altLang="zh-CN" sz="3200" b="1" dirty="0">
+                <a:solidFill>
+                  <a:srgbClr val="FFFF00"/>
+                </a:solidFill>
+              </a:rPr>
+              <a:t>3-</a:t>
+            </a:r>
+            <a:r>
+              <a:rPr lang="zh-CN" altLang="en-US" sz="3200" b="1" dirty="0">
+                <a:solidFill>
+                  <a:srgbClr val="FFFF00"/>
+                </a:solidFill>
+              </a:rPr>
+              <a:t>不清楚</a:t>
+            </a:r>
+            <a:endParaRPr lang="en-US" altLang="zh-CN" sz="3200" b="1" dirty="0">
+              <a:solidFill>
+                <a:srgbClr val="FFFF00"/>
+              </a:solidFill>
+            </a:endParaRPr>
+          </a:p>
+          <a:p>
+            <a:pPr algn="ctr"/>
+            <a:r>
+              <a:rPr lang="en-US" altLang="zh-CN" sz="3200" b="1" dirty="0">
+                <a:solidFill>
+                  <a:srgbClr val="FFFF00"/>
+                </a:solidFill>
+              </a:rPr>
+              <a:t>4-</a:t>
+            </a:r>
+            <a:r>
+              <a:rPr lang="zh-CN" altLang="en-US" sz="3200" b="1" dirty="0">
+                <a:solidFill>
+                  <a:srgbClr val="FFFF00"/>
+                </a:solidFill>
+              </a:rPr>
+              <a:t>比较符合</a:t>
+            </a:r>
+            <a:endParaRPr lang="en-US" altLang="zh-CN" sz="3200" b="1" dirty="0">
+              <a:solidFill>
+                <a:srgbClr val="FFFF00"/>
+              </a:solidFill>
+            </a:endParaRPr>
+          </a:p>
+          <a:p>
+            <a:pPr algn="ctr"/>
+            <a:r>
+              <a:rPr lang="en-US" altLang="zh-CN" sz="3200" b="1" dirty="0">
+                <a:solidFill>
+                  <a:srgbClr val="FFFF00"/>
+                </a:solidFill>
+              </a:rPr>
+              <a:t>5-</a:t>
+            </a:r>
+            <a:r>
+              <a:rPr lang="zh-CN" altLang="en-US" sz="3200" b="1" dirty="0">
+                <a:solidFill>
+                  <a:srgbClr val="FFFF00"/>
+                </a:solidFill>
+              </a:rPr>
+              <a:t>完全符合</a:t>
+            </a:r>
+            <a:endParaRPr lang="en-US" altLang="zh-CN" sz="3200" b="1" dirty="0">
+              <a:solidFill>
+                <a:srgbClr val="FFFF00"/>
+              </a:solidFill>
+            </a:endParaRPr>
+          </a:p>
+          <a:p>
+            <a:pPr algn="ctr"/>
+            <a:endParaRPr lang="en-US" altLang="zh-CN" sz="3200" b="1" dirty="0">
+              <a:solidFill>
+                <a:srgbClr val="FFFF00"/>
+              </a:solidFill>
+            </a:endParaRPr>
+          </a:p>
+          <a:p>
+            <a:pPr algn="ctr"/>
+            <a:r>
+              <a:rPr lang="zh-CN" altLang="en-US" sz="3200" b="1" dirty="0">
+                <a:solidFill>
+                  <a:srgbClr val="92D050"/>
+                </a:solidFill>
+              </a:rPr>
+              <a:t>请根据对应问题按下键盘相应数字键即可</a:t>
+            </a:r>
+            <a:endParaRPr lang="en-US" altLang="zh-CN" sz="3200" b="1" dirty="0">
+              <a:solidFill>
+                <a:srgbClr val="92D050"/>
+              </a:solidFill>
+            </a:endParaRPr>
+          </a:p>
+          <a:p>
+            <a:pPr algn="ctr"/>
+            <a:r>
+              <a:rPr lang="en-US" altLang="zh-CN" sz="3200" b="1" dirty="0">
+                <a:solidFill>
+                  <a:srgbClr val="00B0F0"/>
+                </a:solidFill>
+              </a:rPr>
+              <a:t>(</a:t>
+            </a:r>
+            <a:r>
+              <a:rPr lang="zh-CN" altLang="en-US" sz="3200" b="1" dirty="0">
+                <a:solidFill>
+                  <a:srgbClr val="00B0F0"/>
+                </a:solidFill>
+              </a:rPr>
+              <a:t>按空格间开始</a:t>
+            </a:r>
+            <a:r>
+              <a:rPr lang="en-US" altLang="zh-CN" sz="3200" b="1" dirty="0">
+                <a:solidFill>
+                  <a:srgbClr val="00B0F0"/>
+                </a:solidFill>
+              </a:rPr>
+              <a:t>)</a:t>
+            </a:r>
+          </a:p>
+        </p:txBody>
+      </p:sp>
+    </p:spTree>
+    <p:extLst>
+      <p:ext uri="{BB962C8B-B14F-4D97-AF65-F5344CB8AC3E}">
+        <p14:creationId xmlns:p14="http://schemas.microsoft.com/office/powerpoint/2010/main" val="1096333933"/>
+      </p:ext>
+    </p:extLst>
+  </p:cSld>
+  <p:clrMapOvr>
+    <a:masterClrMapping/>
+  </p:clrMapOvr>
+</p:sld>
+</file>
+
+<file path=ppt/slides/slide7.xml><?xml version="1.0" encoding="utf-8"?>
+<p:sld xmlns:a="http://schemas.openxmlformats.org/drawingml/2006/main" xmlns:r="http://schemas.openxmlformats.org/officeDocument/2006/relationships" xmlns:p="http://schemas.openxmlformats.org/presentationml/2006/main">
+  <p:cSld>
+    <p:bg>
+      <p:bgPr>
+        <a:solidFill>
+          <a:srgbClr val="808080"/>
+        </a:solidFill>
+        <a:effectLst/>
+      </p:bgPr>
+    </p:bg>
+    <p:spTree>
+      <p:nvGrpSpPr>
+        <p:cNvPr id="1" name=""/>
+        <p:cNvGrpSpPr/>
+        <p:nvPr/>
+      </p:nvGrpSpPr>
+      <p:grpSpPr>
+        <a:xfrm>
+          <a:off x="0" y="0"/>
+          <a:ext cx="0" cy="0"/>
+          <a:chOff x="0" y="0"/>
+          <a:chExt cx="0" cy="0"/>
+        </a:xfrm>
+      </p:grpSpPr>
+      <p:sp>
+        <p:nvSpPr>
+          <p:cNvPr id="6" name="文本框 5">
+            <a:extLst>
+              <a:ext uri="{FF2B5EF4-FFF2-40B4-BE49-F238E27FC236}">
+                <a16:creationId xmlns:a16="http://schemas.microsoft.com/office/drawing/2014/main" id="{5F5A1657-FBA7-4130-935F-D0FFB40E0138}"/>
+              </a:ext>
+            </a:extLst>
+          </p:cNvPr>
+          <p:cNvSpPr txBox="1"/>
+          <p:nvPr/>
+        </p:nvSpPr>
+        <p:spPr>
+          <a:xfrm>
+            <a:off x="623740" y="971807"/>
+            <a:ext cx="10944520" cy="1077218"/>
+          </a:xfrm>
+          <a:prstGeom prst="rect">
+            <a:avLst/>
+          </a:prstGeom>
+          <a:noFill/>
+        </p:spPr>
+        <p:txBody>
+          <a:bodyPr wrap="square" rtlCol="0">
+            <a:spAutoFit/>
+          </a:bodyPr>
+          <a:lstStyle/>
+          <a:p>
+            <a:pPr algn="ctr"/>
+            <a:r>
+              <a:rPr lang="en-US" altLang="zh-CN" sz="3200" b="1" dirty="0"/>
+              <a:t>1.</a:t>
+            </a:r>
+            <a:r>
+              <a:rPr lang="zh-CN" altLang="en-US" sz="3200" b="1" dirty="0"/>
+              <a:t>每天都会无意识地频繁阅读手机</a:t>
+            </a:r>
+            <a:r>
+              <a:rPr lang="en-US" altLang="zh-CN" sz="3200" b="1" dirty="0"/>
+              <a:t>APP</a:t>
+            </a:r>
+            <a:r>
+              <a:rPr lang="zh-CN" altLang="en-US" sz="3200" b="1" dirty="0"/>
+              <a:t>、</a:t>
+            </a:r>
+            <a:br>
+              <a:rPr lang="en-US" altLang="zh-CN" sz="3200" b="1" dirty="0"/>
+            </a:br>
+            <a:r>
+              <a:rPr lang="zh-CN" altLang="en-US" sz="3200" b="1" dirty="0"/>
+              <a:t>查看朋友圈动态等，自己都不清楚有多少次。</a:t>
+            </a:r>
+            <a:endParaRPr lang="en-US" altLang="zh-CN" sz="3200" b="1" dirty="0"/>
+          </a:p>
+        </p:txBody>
+      </p:sp>
+      <p:sp>
+        <p:nvSpPr>
+          <p:cNvPr id="2" name="文本框 1">
+            <a:extLst>
+              <a:ext uri="{FF2B5EF4-FFF2-40B4-BE49-F238E27FC236}">
+                <a16:creationId xmlns:a16="http://schemas.microsoft.com/office/drawing/2014/main" id="{5779F052-28A2-491A-BFDD-3D9C54D6A0F9}"/>
+              </a:ext>
+            </a:extLst>
+          </p:cNvPr>
+          <p:cNvSpPr txBox="1"/>
+          <p:nvPr/>
+        </p:nvSpPr>
+        <p:spPr>
+          <a:xfrm>
+            <a:off x="2310348" y="2500076"/>
+            <a:ext cx="7571304" cy="4031873"/>
+          </a:xfrm>
+          <a:prstGeom prst="rect">
+            <a:avLst/>
+          </a:prstGeom>
+          <a:noFill/>
+        </p:spPr>
+        <p:txBody>
+          <a:bodyPr wrap="none" rtlCol="0">
+            <a:spAutoFit/>
+          </a:bodyPr>
+          <a:lstStyle/>
+          <a:p>
+            <a:pPr algn="ctr"/>
+            <a:r>
+              <a:rPr lang="en-US" altLang="zh-CN" sz="3200" b="1" dirty="0"/>
+              <a:t>1-</a:t>
+            </a:r>
+            <a:r>
+              <a:rPr lang="zh-CN" altLang="en-US" sz="3200" b="1" dirty="0"/>
+              <a:t>完全不符合</a:t>
+            </a:r>
+            <a:endParaRPr lang="en-US" altLang="zh-CN" sz="3200" b="1" dirty="0"/>
+          </a:p>
+          <a:p>
+            <a:pPr algn="ctr"/>
+            <a:r>
+              <a:rPr lang="en-US" altLang="zh-CN" sz="3200" b="1" dirty="0"/>
+              <a:t>2-</a:t>
+            </a:r>
+            <a:r>
+              <a:rPr lang="zh-CN" altLang="en-US" sz="3200" b="1" dirty="0"/>
+              <a:t>不太符合</a:t>
+            </a:r>
+            <a:endParaRPr lang="en-US" altLang="zh-CN" sz="3200" b="1" dirty="0"/>
+          </a:p>
+          <a:p>
+            <a:pPr algn="ctr"/>
+            <a:r>
+              <a:rPr lang="en-US" altLang="zh-CN" sz="3200" b="1" dirty="0"/>
+              <a:t>3-</a:t>
+            </a:r>
+            <a:r>
+              <a:rPr lang="zh-CN" altLang="en-US" sz="3200" b="1" dirty="0"/>
+              <a:t>不清楚</a:t>
+            </a:r>
+            <a:endParaRPr lang="en-US" altLang="zh-CN" sz="3200" b="1" dirty="0"/>
+          </a:p>
+          <a:p>
+            <a:pPr algn="ctr"/>
+            <a:r>
+              <a:rPr lang="en-US" altLang="zh-CN" sz="3200" b="1" dirty="0"/>
+              <a:t>4-</a:t>
+            </a:r>
+            <a:r>
+              <a:rPr lang="zh-CN" altLang="en-US" sz="3200" b="1" dirty="0"/>
+              <a:t>比较符合</a:t>
+            </a:r>
+            <a:endParaRPr lang="en-US" altLang="zh-CN" sz="3200" b="1" dirty="0"/>
+          </a:p>
+          <a:p>
+            <a:pPr algn="ctr"/>
+            <a:r>
+              <a:rPr lang="en-US" altLang="zh-CN" sz="3200" b="1" dirty="0"/>
+              <a:t>5-</a:t>
+            </a:r>
+            <a:r>
+              <a:rPr lang="zh-CN" altLang="en-US" sz="3200" b="1" dirty="0"/>
+              <a:t>完全符合</a:t>
+            </a:r>
+            <a:endParaRPr lang="en-US" altLang="zh-CN" sz="3200" b="1" dirty="0"/>
+          </a:p>
+          <a:p>
+            <a:pPr algn="ctr"/>
+            <a:endParaRPr lang="en-US" altLang="zh-CN" sz="3200" b="1" dirty="0">
+              <a:solidFill>
+                <a:srgbClr val="FFFF00"/>
+              </a:solidFill>
+            </a:endParaRPr>
+          </a:p>
+          <a:p>
+            <a:pPr algn="ctr"/>
+            <a:r>
+              <a:rPr lang="zh-CN" altLang="en-US" sz="3200" b="1" dirty="0">
+                <a:solidFill>
+                  <a:srgbClr val="92D050"/>
+                </a:solidFill>
+              </a:rPr>
+              <a:t>请根据对应问题按下键盘相应数字键即可</a:t>
+            </a:r>
+            <a:endParaRPr lang="en-US" altLang="zh-CN" sz="3200" b="1" dirty="0">
+              <a:solidFill>
+                <a:srgbClr val="92D050"/>
+              </a:solidFill>
+            </a:endParaRPr>
+          </a:p>
+          <a:p>
+            <a:endParaRPr lang="zh-CN" altLang="en-US" sz="3200" dirty="0"/>
+          </a:p>
+        </p:txBody>
+      </p:sp>
+    </p:spTree>
+    <p:extLst>
+      <p:ext uri="{BB962C8B-B14F-4D97-AF65-F5344CB8AC3E}">
+        <p14:creationId xmlns:p14="http://schemas.microsoft.com/office/powerpoint/2010/main" val="1768384280"/>
+      </p:ext>
+    </p:extLst>
+  </p:cSld>
+  <p:clrMapOvr>
+    <a:masterClrMapping/>
+  </p:clrMapOvr>
+</p:sld>
+</file>
+
+<file path=ppt/slides/slide8.xml><?xml version="1.0" encoding="utf-8"?>
+<p:sld xmlns:a="http://schemas.openxmlformats.org/drawingml/2006/main" xmlns:r="http://schemas.openxmlformats.org/officeDocument/2006/relationships" xmlns:p="http://schemas.openxmlformats.org/presentationml/2006/main">
+  <p:cSld>
+    <p:bg>
+      <p:bgPr>
+        <a:solidFill>
+          <a:srgbClr val="808080"/>
+        </a:solidFill>
+        <a:effectLst/>
+      </p:bgPr>
+    </p:bg>
+    <p:spTree>
+      <p:nvGrpSpPr>
+        <p:cNvPr id="1" name=""/>
+        <p:cNvGrpSpPr/>
+        <p:nvPr/>
+      </p:nvGrpSpPr>
+      <p:grpSpPr>
+        <a:xfrm>
+          <a:off x="0" y="0"/>
+          <a:ext cx="0" cy="0"/>
+          <a:chOff x="0" y="0"/>
+          <a:chExt cx="0" cy="0"/>
+        </a:xfrm>
+      </p:grpSpPr>
+      <p:sp>
+        <p:nvSpPr>
+          <p:cNvPr id="6" name="文本框 5">
+            <a:extLst>
+              <a:ext uri="{FF2B5EF4-FFF2-40B4-BE49-F238E27FC236}">
+                <a16:creationId xmlns:a16="http://schemas.microsoft.com/office/drawing/2014/main" id="{5F5A1657-FBA7-4130-935F-D0FFB40E0138}"/>
+              </a:ext>
+            </a:extLst>
+          </p:cNvPr>
+          <p:cNvSpPr txBox="1"/>
+          <p:nvPr/>
+        </p:nvSpPr>
+        <p:spPr>
+          <a:xfrm>
+            <a:off x="623740" y="971807"/>
+            <a:ext cx="10944520" cy="1077218"/>
+          </a:xfrm>
+          <a:prstGeom prst="rect">
+            <a:avLst/>
+          </a:prstGeom>
+          <a:noFill/>
+        </p:spPr>
+        <p:txBody>
+          <a:bodyPr wrap="square" rtlCol="0">
+            <a:spAutoFit/>
+          </a:bodyPr>
+          <a:lstStyle/>
+          <a:p>
+            <a:pPr algn="ctr"/>
+            <a:r>
+              <a:rPr lang="en-US" altLang="zh-CN" sz="3200" b="1" dirty="0"/>
+              <a:t>2.</a:t>
+            </a:r>
+            <a:r>
+              <a:rPr lang="zh-CN" altLang="en-US" sz="3200" b="1" dirty="0"/>
+              <a:t>我总是不经意间延长了使用</a:t>
+            </a:r>
+            <a:br>
+              <a:rPr lang="en-US" altLang="zh-CN" sz="3200" b="1" dirty="0"/>
+            </a:br>
+            <a:r>
+              <a:rPr lang="zh-CN" altLang="en-US" sz="3200" b="1" dirty="0"/>
+              <a:t>手机移动社交网络的时间而没有察觉。</a:t>
+            </a:r>
+            <a:endParaRPr lang="en-US" altLang="zh-CN" sz="3200" b="1" dirty="0"/>
+          </a:p>
+        </p:txBody>
+      </p:sp>
+      <p:sp>
+        <p:nvSpPr>
+          <p:cNvPr id="2" name="文本框 1">
+            <a:extLst>
+              <a:ext uri="{FF2B5EF4-FFF2-40B4-BE49-F238E27FC236}">
+                <a16:creationId xmlns:a16="http://schemas.microsoft.com/office/drawing/2014/main" id="{5779F052-28A2-491A-BFDD-3D9C54D6A0F9}"/>
+              </a:ext>
+            </a:extLst>
+          </p:cNvPr>
+          <p:cNvSpPr txBox="1"/>
+          <p:nvPr/>
+        </p:nvSpPr>
+        <p:spPr>
+          <a:xfrm>
+            <a:off x="2310348" y="2500076"/>
+            <a:ext cx="7571304" cy="4031873"/>
+          </a:xfrm>
+          <a:prstGeom prst="rect">
+            <a:avLst/>
+          </a:prstGeom>
+          <a:noFill/>
+        </p:spPr>
+        <p:txBody>
+          <a:bodyPr wrap="none" rtlCol="0">
+            <a:spAutoFit/>
+          </a:bodyPr>
+          <a:lstStyle/>
+          <a:p>
+            <a:pPr algn="ctr"/>
+            <a:r>
+              <a:rPr lang="en-US" altLang="zh-CN" sz="3200" b="1" dirty="0"/>
+              <a:t>1-</a:t>
+            </a:r>
+            <a:r>
+              <a:rPr lang="zh-CN" altLang="en-US" sz="3200" b="1" dirty="0"/>
+              <a:t>完全不符合</a:t>
+            </a:r>
+            <a:endParaRPr lang="en-US" altLang="zh-CN" sz="3200" b="1" dirty="0"/>
+          </a:p>
+          <a:p>
+            <a:pPr algn="ctr"/>
+            <a:r>
+              <a:rPr lang="en-US" altLang="zh-CN" sz="3200" b="1" dirty="0"/>
+              <a:t>2-</a:t>
+            </a:r>
+            <a:r>
+              <a:rPr lang="zh-CN" altLang="en-US" sz="3200" b="1" dirty="0"/>
+              <a:t>不太符合</a:t>
+            </a:r>
+            <a:endParaRPr lang="en-US" altLang="zh-CN" sz="3200" b="1" dirty="0"/>
+          </a:p>
+          <a:p>
+            <a:pPr algn="ctr"/>
+            <a:r>
+              <a:rPr lang="en-US" altLang="zh-CN" sz="3200" b="1" dirty="0"/>
+              <a:t>3-</a:t>
+            </a:r>
+            <a:r>
+              <a:rPr lang="zh-CN" altLang="en-US" sz="3200" b="1" dirty="0"/>
+              <a:t>不清楚</a:t>
+            </a:r>
+            <a:endParaRPr lang="en-US" altLang="zh-CN" sz="3200" b="1" dirty="0"/>
+          </a:p>
+          <a:p>
+            <a:pPr algn="ctr"/>
+            <a:r>
+              <a:rPr lang="en-US" altLang="zh-CN" sz="3200" b="1" dirty="0"/>
+              <a:t>4-</a:t>
+            </a:r>
+            <a:r>
+              <a:rPr lang="zh-CN" altLang="en-US" sz="3200" b="1" dirty="0"/>
+              <a:t>比较符合</a:t>
+            </a:r>
+            <a:endParaRPr lang="en-US" altLang="zh-CN" sz="3200" b="1" dirty="0"/>
+          </a:p>
+          <a:p>
+            <a:pPr algn="ctr"/>
+            <a:r>
+              <a:rPr lang="en-US" altLang="zh-CN" sz="3200" b="1" dirty="0"/>
+              <a:t>5-</a:t>
+            </a:r>
+            <a:r>
+              <a:rPr lang="zh-CN" altLang="en-US" sz="3200" b="1" dirty="0"/>
+              <a:t>完全符合</a:t>
+            </a:r>
+            <a:endParaRPr lang="en-US" altLang="zh-CN" sz="3200" b="1" dirty="0"/>
+          </a:p>
+          <a:p>
+            <a:pPr algn="ctr"/>
+            <a:endParaRPr lang="en-US" altLang="zh-CN" sz="3200" b="1" dirty="0">
+              <a:solidFill>
+                <a:srgbClr val="FFFF00"/>
+              </a:solidFill>
+            </a:endParaRPr>
+          </a:p>
+          <a:p>
+            <a:pPr algn="ctr"/>
+            <a:r>
+              <a:rPr lang="zh-CN" altLang="en-US" sz="3200" b="1" dirty="0">
+                <a:solidFill>
+                  <a:srgbClr val="92D050"/>
+                </a:solidFill>
+              </a:rPr>
+              <a:t>请根据对应问题按下键盘相应数字键即可</a:t>
+            </a:r>
+            <a:endParaRPr lang="en-US" altLang="zh-CN" sz="3200" b="1" dirty="0">
+              <a:solidFill>
+                <a:srgbClr val="92D050"/>
+              </a:solidFill>
+            </a:endParaRPr>
+          </a:p>
+          <a:p>
+            <a:endParaRPr lang="zh-CN" altLang="en-US" sz="3200" dirty="0"/>
+          </a:p>
+        </p:txBody>
+      </p:sp>
+    </p:spTree>
+    <p:extLst>
+      <p:ext uri="{BB962C8B-B14F-4D97-AF65-F5344CB8AC3E}">
+        <p14:creationId xmlns:p14="http://schemas.microsoft.com/office/powerpoint/2010/main" val="334242067"/>
+      </p:ext>
+    </p:extLst>
+  </p:cSld>
+  <p:clrMapOvr>
+    <a:masterClrMapping/>
+  </p:clrMapOvr>
+</p:sld>
+</file>
+
+<file path=ppt/slides/slide9.xml><?xml version="1.0" encoding="utf-8"?>
+<p:sld xmlns:a="http://schemas.openxmlformats.org/drawingml/2006/main" xmlns:r="http://schemas.openxmlformats.org/officeDocument/2006/relationships" xmlns:p="http://schemas.openxmlformats.org/presentationml/2006/main">
+  <p:cSld>
+    <p:bg>
+      <p:bgPr>
+        <a:solidFill>
+          <a:srgbClr val="808080"/>
+        </a:solidFill>
+        <a:effectLst/>
+      </p:bgPr>
+    </p:bg>
+    <p:spTree>
+      <p:nvGrpSpPr>
+        <p:cNvPr id="1" name=""/>
+        <p:cNvGrpSpPr/>
+        <p:nvPr/>
+      </p:nvGrpSpPr>
+      <p:grpSpPr>
+        <a:xfrm>
+          <a:off x="0" y="0"/>
+          <a:ext cx="0" cy="0"/>
+          <a:chOff x="0" y="0"/>
+          <a:chExt cx="0" cy="0"/>
+        </a:xfrm>
+      </p:grpSpPr>
+      <p:sp>
+        <p:nvSpPr>
+          <p:cNvPr id="6" name="文本框 5">
+            <a:extLst>
+              <a:ext uri="{FF2B5EF4-FFF2-40B4-BE49-F238E27FC236}">
+                <a16:creationId xmlns:a16="http://schemas.microsoft.com/office/drawing/2014/main" id="{5F5A1657-FBA7-4130-935F-D0FFB40E0138}"/>
+              </a:ext>
+            </a:extLst>
+          </p:cNvPr>
+          <p:cNvSpPr txBox="1"/>
+          <p:nvPr/>
+        </p:nvSpPr>
+        <p:spPr>
+          <a:xfrm>
+            <a:off x="623740" y="971807"/>
+            <a:ext cx="10944520" cy="1077218"/>
+          </a:xfrm>
+          <a:prstGeom prst="rect">
+            <a:avLst/>
+          </a:prstGeom>
+          <a:noFill/>
+        </p:spPr>
+        <p:txBody>
+          <a:bodyPr wrap="square" rtlCol="0">
+            <a:spAutoFit/>
+          </a:bodyPr>
+          <a:lstStyle/>
+          <a:p>
+            <a:pPr algn="ctr"/>
+            <a:r>
+              <a:rPr lang="en-US" altLang="zh-CN" sz="3200" b="1" dirty="0"/>
+              <a:t>3.</a:t>
+            </a:r>
+            <a:r>
+              <a:rPr lang="zh-CN" altLang="en-US" sz="3200" b="1" dirty="0"/>
+              <a:t>我对手机移动社交网络产生了一定的依赖</a:t>
+            </a:r>
+            <a:br>
+              <a:rPr lang="en-US" altLang="zh-CN" sz="3200" b="1" dirty="0"/>
+            </a:br>
+            <a:r>
+              <a:rPr lang="zh-CN" altLang="en-US" sz="3200" b="1" dirty="0"/>
+              <a:t>有时会不能控制玩的时间。</a:t>
+            </a:r>
+            <a:endParaRPr lang="en-US" altLang="zh-CN" sz="3200" b="1" dirty="0"/>
+          </a:p>
+        </p:txBody>
+      </p:sp>
+      <p:sp>
+        <p:nvSpPr>
+          <p:cNvPr id="2" name="文本框 1">
+            <a:extLst>
+              <a:ext uri="{FF2B5EF4-FFF2-40B4-BE49-F238E27FC236}">
+                <a16:creationId xmlns:a16="http://schemas.microsoft.com/office/drawing/2014/main" id="{5779F052-28A2-491A-BFDD-3D9C54D6A0F9}"/>
+              </a:ext>
+            </a:extLst>
+          </p:cNvPr>
+          <p:cNvSpPr txBox="1"/>
+          <p:nvPr/>
+        </p:nvSpPr>
+        <p:spPr>
+          <a:xfrm>
+            <a:off x="2310348" y="2500076"/>
+            <a:ext cx="7571304" cy="4031873"/>
+          </a:xfrm>
+          <a:prstGeom prst="rect">
+            <a:avLst/>
+          </a:prstGeom>
+          <a:noFill/>
+        </p:spPr>
+        <p:txBody>
+          <a:bodyPr wrap="none" rtlCol="0">
+            <a:spAutoFit/>
+          </a:bodyPr>
+          <a:lstStyle/>
+          <a:p>
+            <a:pPr algn="ctr"/>
+            <a:r>
+              <a:rPr lang="en-US" altLang="zh-CN" sz="3200" b="1" dirty="0"/>
+              <a:t>1-</a:t>
+            </a:r>
+            <a:r>
+              <a:rPr lang="zh-CN" altLang="en-US" sz="3200" b="1" dirty="0"/>
+              <a:t>完全不符合</a:t>
+            </a:r>
+            <a:endParaRPr lang="en-US" altLang="zh-CN" sz="3200" b="1" dirty="0"/>
+          </a:p>
+          <a:p>
+            <a:pPr algn="ctr"/>
+            <a:r>
+              <a:rPr lang="en-US" altLang="zh-CN" sz="3200" b="1" dirty="0"/>
+              <a:t>2-</a:t>
+            </a:r>
+            <a:r>
+              <a:rPr lang="zh-CN" altLang="en-US" sz="3200" b="1" dirty="0"/>
+              <a:t>不太符合</a:t>
+            </a:r>
+            <a:endParaRPr lang="en-US" altLang="zh-CN" sz="3200" b="1" dirty="0"/>
+          </a:p>
+          <a:p>
+            <a:pPr algn="ctr"/>
+            <a:r>
+              <a:rPr lang="en-US" altLang="zh-CN" sz="3200" b="1" dirty="0"/>
+              <a:t>3-</a:t>
+            </a:r>
+            <a:r>
+              <a:rPr lang="zh-CN" altLang="en-US" sz="3200" b="1" dirty="0"/>
+              <a:t>不清楚</a:t>
+            </a:r>
+            <a:endParaRPr lang="en-US" altLang="zh-CN" sz="3200" b="1" dirty="0"/>
+          </a:p>
+          <a:p>
+            <a:pPr algn="ctr"/>
+            <a:r>
+              <a:rPr lang="en-US" altLang="zh-CN" sz="3200" b="1" dirty="0"/>
+              <a:t>4-</a:t>
+            </a:r>
+            <a:r>
+              <a:rPr lang="zh-CN" altLang="en-US" sz="3200" b="1" dirty="0"/>
+              <a:t>比较符合</a:t>
+            </a:r>
+            <a:endParaRPr lang="en-US" altLang="zh-CN" sz="3200" b="1" dirty="0"/>
+          </a:p>
+          <a:p>
+            <a:pPr algn="ctr"/>
+            <a:r>
+              <a:rPr lang="en-US" altLang="zh-CN" sz="3200" b="1" dirty="0"/>
+              <a:t>5-</a:t>
+            </a:r>
+            <a:r>
+              <a:rPr lang="zh-CN" altLang="en-US" sz="3200" b="1" dirty="0"/>
+              <a:t>完全符合</a:t>
+            </a:r>
+            <a:endParaRPr lang="en-US" altLang="zh-CN" sz="3200" b="1" dirty="0"/>
+          </a:p>
+          <a:p>
+            <a:pPr algn="ctr"/>
+            <a:endParaRPr lang="en-US" altLang="zh-CN" sz="3200" b="1" dirty="0">
+              <a:solidFill>
+                <a:srgbClr val="FFFF00"/>
+              </a:solidFill>
+            </a:endParaRPr>
+          </a:p>
+          <a:p>
+            <a:pPr algn="ctr"/>
+            <a:r>
+              <a:rPr lang="zh-CN" altLang="en-US" sz="3200" b="1" dirty="0">
+                <a:solidFill>
+                  <a:srgbClr val="92D050"/>
+                </a:solidFill>
+              </a:rPr>
+              <a:t>请根据对应问题按下键盘相应数字键即可</a:t>
+            </a:r>
+            <a:endParaRPr lang="en-US" altLang="zh-CN" sz="3200" b="1" dirty="0">
+              <a:solidFill>
+                <a:srgbClr val="92D050"/>
+              </a:solidFill>
+            </a:endParaRPr>
+          </a:p>
+          <a:p>
+            <a:endParaRPr lang="zh-CN" altLang="en-US" sz="3200" dirty="0"/>
+          </a:p>
+        </p:txBody>
+      </p:sp>
+    </p:spTree>
+    <p:extLst>
+      <p:ext uri="{BB962C8B-B14F-4D97-AF65-F5344CB8AC3E}">
+        <p14:creationId xmlns:p14="http://schemas.microsoft.com/office/powerpoint/2010/main" val="468427638"/>
       </p:ext>
     </p:extLst>
   </p:cSld>
